--- a/slides/RESTful Microservices from the Ground Up.pptx
+++ b/slides/RESTful Microservices from the Ground Up.pptx
@@ -55,6 +55,9 @@
     <p:sldId id="300" r:id="rId49"/>
     <p:sldId id="301" r:id="rId50"/>
     <p:sldId id="302" r:id="rId51"/>
+    <p:sldId id="303" r:id="rId52"/>
+    <p:sldId id="304" r:id="rId53"/>
+    <p:sldId id="305" r:id="rId54"/>
   </p:sldIdLst>
   <p:sldSz cy="5143500" cx="9144000"/>
   <p:notesSz cx="6858000" cy="9144000"/>
@@ -2518,7 +2521,7 @@
           </a:bodyPr>
           <a:lstStyle/>
           <a:p>
-            <a:pPr indent="0" lvl="0" marL="0">
+            <a:pPr indent="0" lvl="0" marL="0" rtl="0">
               <a:spcBef>
                 <a:spcPts val="0"/>
               </a:spcBef>
@@ -2547,7 +2550,7 @@
   <p:cSld>
     <p:spTree>
       <p:nvGrpSpPr>
-        <p:cNvPr id="186" name="Shape 186"/>
+        <p:cNvPr id="185" name="Shape 185"/>
         <p:cNvGrpSpPr/>
         <p:nvPr/>
       </p:nvGrpSpPr>
@@ -2561,7 +2564,7 @@
       </p:grpSpPr>
       <p:sp>
         <p:nvSpPr>
-          <p:cNvPr id="187" name="Shape 187"/>
+          <p:cNvPr id="186" name="Shape 186"/>
           <p:cNvSpPr/>
           <p:nvPr>
             <p:ph idx="2" type="sldImg"/>
@@ -2595,7 +2598,7 @@
       </p:sp>
       <p:sp>
         <p:nvSpPr>
-          <p:cNvPr id="188" name="Shape 188"/>
+          <p:cNvPr id="187" name="Shape 187"/>
           <p:cNvSpPr txBox="1"/>
           <p:nvPr>
             <p:ph idx="1" type="body"/>
@@ -2645,7 +2648,7 @@
   <p:cSld>
     <p:spTree>
       <p:nvGrpSpPr>
-        <p:cNvPr id="192" name="Shape 192"/>
+        <p:cNvPr id="191" name="Shape 191"/>
         <p:cNvGrpSpPr/>
         <p:nvPr/>
       </p:nvGrpSpPr>
@@ -2659,7 +2662,7 @@
       </p:grpSpPr>
       <p:sp>
         <p:nvSpPr>
-          <p:cNvPr id="193" name="Shape 193"/>
+          <p:cNvPr id="192" name="Shape 192"/>
           <p:cNvSpPr/>
           <p:nvPr>
             <p:ph idx="2" type="sldImg"/>
@@ -2693,7 +2696,7 @@
       </p:sp>
       <p:sp>
         <p:nvSpPr>
-          <p:cNvPr id="194" name="Shape 194"/>
+          <p:cNvPr id="193" name="Shape 193"/>
           <p:cNvSpPr txBox="1"/>
           <p:nvPr>
             <p:ph idx="1" type="body"/>
@@ -2841,7 +2844,7 @@
   <p:cSld>
     <p:spTree>
       <p:nvGrpSpPr>
-        <p:cNvPr id="203" name="Shape 203"/>
+        <p:cNvPr id="202" name="Shape 202"/>
         <p:cNvGrpSpPr/>
         <p:nvPr/>
       </p:nvGrpSpPr>
@@ -2855,7 +2858,7 @@
       </p:grpSpPr>
       <p:sp>
         <p:nvSpPr>
-          <p:cNvPr id="204" name="Shape 204"/>
+          <p:cNvPr id="203" name="Shape 203"/>
           <p:cNvSpPr/>
           <p:nvPr>
             <p:ph idx="2" type="sldImg"/>
@@ -2889,7 +2892,7 @@
       </p:sp>
       <p:sp>
         <p:nvSpPr>
-          <p:cNvPr id="205" name="Shape 205"/>
+          <p:cNvPr id="204" name="Shape 204"/>
           <p:cNvSpPr txBox="1"/>
           <p:nvPr>
             <p:ph idx="1" type="body"/>
@@ -2939,7 +2942,7 @@
   <p:cSld>
     <p:spTree>
       <p:nvGrpSpPr>
-        <p:cNvPr id="209" name="Shape 209"/>
+        <p:cNvPr id="208" name="Shape 208"/>
         <p:cNvGrpSpPr/>
         <p:nvPr/>
       </p:nvGrpSpPr>
@@ -2953,7 +2956,7 @@
       </p:grpSpPr>
       <p:sp>
         <p:nvSpPr>
-          <p:cNvPr id="210" name="Shape 210"/>
+          <p:cNvPr id="209" name="Shape 209"/>
           <p:cNvSpPr/>
           <p:nvPr>
             <p:ph idx="2" type="sldImg"/>
@@ -2987,7 +2990,7 @@
       </p:sp>
       <p:sp>
         <p:nvSpPr>
-          <p:cNvPr id="211" name="Shape 211"/>
+          <p:cNvPr id="210" name="Shape 210"/>
           <p:cNvSpPr txBox="1"/>
           <p:nvPr>
             <p:ph idx="1" type="body"/>
@@ -3106,7 +3109,7 @@
           </a:bodyPr>
           <a:lstStyle/>
           <a:p>
-            <a:pPr indent="0" lvl="0" marL="0">
+            <a:pPr indent="0" lvl="0" marL="0" rtl="0">
               <a:spcBef>
                 <a:spcPts val="0"/>
               </a:spcBef>
@@ -3135,7 +3138,7 @@
   <p:cSld>
     <p:spTree>
       <p:nvGrpSpPr>
-        <p:cNvPr id="221" name="Shape 221"/>
+        <p:cNvPr id="222" name="Shape 222"/>
         <p:cNvGrpSpPr/>
         <p:nvPr/>
       </p:nvGrpSpPr>
@@ -3149,7 +3152,7 @@
       </p:grpSpPr>
       <p:sp>
         <p:nvSpPr>
-          <p:cNvPr id="222" name="Shape 222"/>
+          <p:cNvPr id="223" name="Shape 223"/>
           <p:cNvSpPr/>
           <p:nvPr>
             <p:ph idx="2" type="sldImg"/>
@@ -3183,7 +3186,7 @@
       </p:sp>
       <p:sp>
         <p:nvSpPr>
-          <p:cNvPr id="223" name="Shape 223"/>
+          <p:cNvPr id="224" name="Shape 224"/>
           <p:cNvSpPr txBox="1"/>
           <p:nvPr>
             <p:ph idx="1" type="body"/>
@@ -3233,7 +3236,7 @@
   <p:cSld>
     <p:spTree>
       <p:nvGrpSpPr>
-        <p:cNvPr id="227" name="Shape 227"/>
+        <p:cNvPr id="229" name="Shape 229"/>
         <p:cNvGrpSpPr/>
         <p:nvPr/>
       </p:nvGrpSpPr>
@@ -3247,7 +3250,7 @@
       </p:grpSpPr>
       <p:sp>
         <p:nvSpPr>
-          <p:cNvPr id="228" name="Shape 228"/>
+          <p:cNvPr id="230" name="Shape 230"/>
           <p:cNvSpPr/>
           <p:nvPr>
             <p:ph idx="2" type="sldImg"/>
@@ -3281,7 +3284,7 @@
       </p:sp>
       <p:sp>
         <p:nvSpPr>
-          <p:cNvPr id="229" name="Shape 229"/>
+          <p:cNvPr id="231" name="Shape 231"/>
           <p:cNvSpPr txBox="1"/>
           <p:nvPr>
             <p:ph idx="1" type="body"/>
@@ -3331,7 +3334,7 @@
   <p:cSld>
     <p:spTree>
       <p:nvGrpSpPr>
-        <p:cNvPr id="232" name="Shape 232"/>
+        <p:cNvPr id="234" name="Shape 234"/>
         <p:cNvGrpSpPr/>
         <p:nvPr/>
       </p:nvGrpSpPr>
@@ -3345,7 +3348,7 @@
       </p:grpSpPr>
       <p:sp>
         <p:nvSpPr>
-          <p:cNvPr id="233" name="Shape 233"/>
+          <p:cNvPr id="235" name="Shape 235"/>
           <p:cNvSpPr/>
           <p:nvPr>
             <p:ph idx="2" type="sldImg"/>
@@ -3379,7 +3382,7 @@
       </p:sp>
       <p:sp>
         <p:nvSpPr>
-          <p:cNvPr id="234" name="Shape 234"/>
+          <p:cNvPr id="236" name="Shape 236"/>
           <p:cNvSpPr txBox="1"/>
           <p:nvPr>
             <p:ph idx="1" type="body"/>
@@ -3527,7 +3530,7 @@
   <p:cSld>
     <p:spTree>
       <p:nvGrpSpPr>
-        <p:cNvPr id="237" name="Shape 237"/>
+        <p:cNvPr id="241" name="Shape 241"/>
         <p:cNvGrpSpPr/>
         <p:nvPr/>
       </p:nvGrpSpPr>
@@ -3541,7 +3544,7 @@
       </p:grpSpPr>
       <p:sp>
         <p:nvSpPr>
-          <p:cNvPr id="238" name="Shape 238"/>
+          <p:cNvPr id="242" name="Shape 242"/>
           <p:cNvSpPr/>
           <p:nvPr>
             <p:ph idx="2" type="sldImg"/>
@@ -3575,7 +3578,7 @@
       </p:sp>
       <p:sp>
         <p:nvSpPr>
-          <p:cNvPr id="239" name="Shape 239"/>
+          <p:cNvPr id="243" name="Shape 243"/>
           <p:cNvSpPr txBox="1"/>
           <p:nvPr>
             <p:ph idx="1" type="body"/>
@@ -3625,7 +3628,7 @@
   <p:cSld>
     <p:spTree>
       <p:nvGrpSpPr>
-        <p:cNvPr id="243" name="Shape 243"/>
+        <p:cNvPr id="247" name="Shape 247"/>
         <p:cNvGrpSpPr/>
         <p:nvPr/>
       </p:nvGrpSpPr>
@@ -3639,7 +3642,7 @@
       </p:grpSpPr>
       <p:sp>
         <p:nvSpPr>
-          <p:cNvPr id="244" name="Shape 244"/>
+          <p:cNvPr id="248" name="Shape 248"/>
           <p:cNvSpPr/>
           <p:nvPr>
             <p:ph idx="2" type="sldImg"/>
@@ -3673,7 +3676,7 @@
       </p:sp>
       <p:sp>
         <p:nvSpPr>
-          <p:cNvPr id="245" name="Shape 245"/>
+          <p:cNvPr id="249" name="Shape 249"/>
           <p:cNvSpPr txBox="1"/>
           <p:nvPr>
             <p:ph idx="1" type="body"/>
@@ -3723,7 +3726,7 @@
   <p:cSld>
     <p:spTree>
       <p:nvGrpSpPr>
-        <p:cNvPr id="249" name="Shape 249"/>
+        <p:cNvPr id="252" name="Shape 252"/>
         <p:cNvGrpSpPr/>
         <p:nvPr/>
       </p:nvGrpSpPr>
@@ -3737,7 +3740,7 @@
       </p:grpSpPr>
       <p:sp>
         <p:nvSpPr>
-          <p:cNvPr id="250" name="Shape 250"/>
+          <p:cNvPr id="253" name="Shape 253"/>
           <p:cNvSpPr/>
           <p:nvPr>
             <p:ph idx="2" type="sldImg"/>
@@ -3771,7 +3774,7 @@
       </p:sp>
       <p:sp>
         <p:nvSpPr>
-          <p:cNvPr id="251" name="Shape 251"/>
+          <p:cNvPr id="254" name="Shape 254"/>
           <p:cNvSpPr txBox="1"/>
           <p:nvPr>
             <p:ph idx="1" type="body"/>
@@ -3821,7 +3824,7 @@
   <p:cSld>
     <p:spTree>
       <p:nvGrpSpPr>
-        <p:cNvPr id="255" name="Shape 255"/>
+        <p:cNvPr id="257" name="Shape 257"/>
         <p:cNvGrpSpPr/>
         <p:nvPr/>
       </p:nvGrpSpPr>
@@ -3835,7 +3838,7 @@
       </p:grpSpPr>
       <p:sp>
         <p:nvSpPr>
-          <p:cNvPr id="256" name="Shape 256"/>
+          <p:cNvPr id="258" name="Shape 258"/>
           <p:cNvSpPr/>
           <p:nvPr>
             <p:ph idx="2" type="sldImg"/>
@@ -3869,7 +3872,7 @@
       </p:sp>
       <p:sp>
         <p:nvSpPr>
-          <p:cNvPr id="257" name="Shape 257"/>
+          <p:cNvPr id="259" name="Shape 259"/>
           <p:cNvSpPr txBox="1"/>
           <p:nvPr>
             <p:ph idx="1" type="body"/>
@@ -3919,7 +3922,7 @@
   <p:cSld>
     <p:spTree>
       <p:nvGrpSpPr>
-        <p:cNvPr id="261" name="Shape 261"/>
+        <p:cNvPr id="263" name="Shape 263"/>
         <p:cNvGrpSpPr/>
         <p:nvPr/>
       </p:nvGrpSpPr>
@@ -3933,7 +3936,7 @@
       </p:grpSpPr>
       <p:sp>
         <p:nvSpPr>
-          <p:cNvPr id="262" name="Shape 262"/>
+          <p:cNvPr id="264" name="Shape 264"/>
           <p:cNvSpPr/>
           <p:nvPr>
             <p:ph idx="2" type="sldImg"/>
@@ -3967,7 +3970,7 @@
       </p:sp>
       <p:sp>
         <p:nvSpPr>
-          <p:cNvPr id="263" name="Shape 263"/>
+          <p:cNvPr id="265" name="Shape 265"/>
           <p:cNvSpPr txBox="1"/>
           <p:nvPr>
             <p:ph idx="1" type="body"/>
@@ -4017,7 +4020,7 @@
   <p:cSld>
     <p:spTree>
       <p:nvGrpSpPr>
-        <p:cNvPr id="267" name="Shape 267"/>
+        <p:cNvPr id="269" name="Shape 269"/>
         <p:cNvGrpSpPr/>
         <p:nvPr/>
       </p:nvGrpSpPr>
@@ -4031,7 +4034,7 @@
       </p:grpSpPr>
       <p:sp>
         <p:nvSpPr>
-          <p:cNvPr id="268" name="Shape 268"/>
+          <p:cNvPr id="270" name="Shape 270"/>
           <p:cNvSpPr/>
           <p:nvPr>
             <p:ph idx="2" type="sldImg"/>
@@ -4065,7 +4068,7 @@
       </p:sp>
       <p:sp>
         <p:nvSpPr>
-          <p:cNvPr id="269" name="Shape 269"/>
+          <p:cNvPr id="271" name="Shape 271"/>
           <p:cNvSpPr txBox="1"/>
           <p:nvPr>
             <p:ph idx="1" type="body"/>
@@ -4115,7 +4118,7 @@
   <p:cSld>
     <p:spTree>
       <p:nvGrpSpPr>
-        <p:cNvPr id="272" name="Shape 272"/>
+        <p:cNvPr id="275" name="Shape 275"/>
         <p:cNvGrpSpPr/>
         <p:nvPr/>
       </p:nvGrpSpPr>
@@ -4129,7 +4132,7 @@
       </p:grpSpPr>
       <p:sp>
         <p:nvSpPr>
-          <p:cNvPr id="273" name="Shape 273"/>
+          <p:cNvPr id="276" name="Shape 276"/>
           <p:cNvSpPr/>
           <p:nvPr>
             <p:ph idx="2" type="sldImg"/>
@@ -4163,7 +4166,7 @@
       </p:sp>
       <p:sp>
         <p:nvSpPr>
-          <p:cNvPr id="274" name="Shape 274"/>
+          <p:cNvPr id="277" name="Shape 277"/>
           <p:cNvSpPr txBox="1"/>
           <p:nvPr>
             <p:ph idx="1" type="body"/>
@@ -4213,7 +4216,7 @@
   <p:cSld>
     <p:spTree>
       <p:nvGrpSpPr>
-        <p:cNvPr id="278" name="Shape 278"/>
+        <p:cNvPr id="281" name="Shape 281"/>
         <p:cNvGrpSpPr/>
         <p:nvPr/>
       </p:nvGrpSpPr>
@@ -4227,7 +4230,7 @@
       </p:grpSpPr>
       <p:sp>
         <p:nvSpPr>
-          <p:cNvPr id="279" name="Shape 279"/>
+          <p:cNvPr id="282" name="Shape 282"/>
           <p:cNvSpPr/>
           <p:nvPr>
             <p:ph idx="2" type="sldImg"/>
@@ -4261,7 +4264,7 @@
       </p:sp>
       <p:sp>
         <p:nvSpPr>
-          <p:cNvPr id="280" name="Shape 280"/>
+          <p:cNvPr id="283" name="Shape 283"/>
           <p:cNvSpPr txBox="1"/>
           <p:nvPr>
             <p:ph idx="1" type="body"/>
@@ -4311,7 +4314,7 @@
   <p:cSld>
     <p:spTree>
       <p:nvGrpSpPr>
-        <p:cNvPr id="284" name="Shape 284"/>
+        <p:cNvPr id="287" name="Shape 287"/>
         <p:cNvGrpSpPr/>
         <p:nvPr/>
       </p:nvGrpSpPr>
@@ -4325,7 +4328,7 @@
       </p:grpSpPr>
       <p:sp>
         <p:nvSpPr>
-          <p:cNvPr id="285" name="Shape 285"/>
+          <p:cNvPr id="288" name="Shape 288"/>
           <p:cNvSpPr/>
           <p:nvPr>
             <p:ph idx="2" type="sldImg"/>
@@ -4359,7 +4362,7 @@
       </p:sp>
       <p:sp>
         <p:nvSpPr>
-          <p:cNvPr id="286" name="Shape 286"/>
+          <p:cNvPr id="289" name="Shape 289"/>
           <p:cNvSpPr txBox="1"/>
           <p:nvPr>
             <p:ph idx="1" type="body"/>
@@ -4409,7 +4412,7 @@
   <p:cSld>
     <p:spTree>
       <p:nvGrpSpPr>
-        <p:cNvPr id="290" name="Shape 290"/>
+        <p:cNvPr id="292" name="Shape 292"/>
         <p:cNvGrpSpPr/>
         <p:nvPr/>
       </p:nvGrpSpPr>
@@ -4423,7 +4426,7 @@
       </p:grpSpPr>
       <p:sp>
         <p:nvSpPr>
-          <p:cNvPr id="291" name="Shape 291"/>
+          <p:cNvPr id="293" name="Shape 293"/>
           <p:cNvSpPr/>
           <p:nvPr>
             <p:ph idx="2" type="sldImg"/>
@@ -4457,7 +4460,7 @@
       </p:sp>
       <p:sp>
         <p:nvSpPr>
-          <p:cNvPr id="292" name="Shape 292"/>
+          <p:cNvPr id="294" name="Shape 294"/>
           <p:cNvSpPr txBox="1"/>
           <p:nvPr>
             <p:ph idx="1" type="body"/>
@@ -4605,7 +4608,7 @@
   <p:cSld>
     <p:spTree>
       <p:nvGrpSpPr>
-        <p:cNvPr id="296" name="Shape 296"/>
+        <p:cNvPr id="298" name="Shape 298"/>
         <p:cNvGrpSpPr/>
         <p:nvPr/>
       </p:nvGrpSpPr>
@@ -4619,7 +4622,7 @@
       </p:grpSpPr>
       <p:sp>
         <p:nvSpPr>
-          <p:cNvPr id="297" name="Shape 297"/>
+          <p:cNvPr id="299" name="Shape 299"/>
           <p:cNvSpPr/>
           <p:nvPr>
             <p:ph idx="2" type="sldImg"/>
@@ -4653,7 +4656,7 @@
       </p:sp>
       <p:sp>
         <p:nvSpPr>
-          <p:cNvPr id="298" name="Shape 298"/>
+          <p:cNvPr id="300" name="Shape 300"/>
           <p:cNvSpPr txBox="1"/>
           <p:nvPr>
             <p:ph idx="1" type="body"/>
@@ -4703,7 +4706,7 @@
   <p:cSld>
     <p:spTree>
       <p:nvGrpSpPr>
-        <p:cNvPr id="302" name="Shape 302"/>
+        <p:cNvPr id="304" name="Shape 304"/>
         <p:cNvGrpSpPr/>
         <p:nvPr/>
       </p:nvGrpSpPr>
@@ -4717,7 +4720,7 @@
       </p:grpSpPr>
       <p:sp>
         <p:nvSpPr>
-          <p:cNvPr id="303" name="Shape 303"/>
+          <p:cNvPr id="305" name="Shape 305"/>
           <p:cNvSpPr/>
           <p:nvPr>
             <p:ph idx="2" type="sldImg"/>
@@ -4751,7 +4754,7 @@
       </p:sp>
       <p:sp>
         <p:nvSpPr>
-          <p:cNvPr id="304" name="Shape 304"/>
+          <p:cNvPr id="306" name="Shape 306"/>
           <p:cNvSpPr txBox="1"/>
           <p:nvPr>
             <p:ph idx="1" type="body"/>
@@ -4801,7 +4804,7 @@
   <p:cSld>
     <p:spTree>
       <p:nvGrpSpPr>
-        <p:cNvPr id="307" name="Shape 307"/>
+        <p:cNvPr id="310" name="Shape 310"/>
         <p:cNvGrpSpPr/>
         <p:nvPr/>
       </p:nvGrpSpPr>
@@ -4815,7 +4818,7 @@
       </p:grpSpPr>
       <p:sp>
         <p:nvSpPr>
-          <p:cNvPr id="308" name="Shape 308"/>
+          <p:cNvPr id="311" name="Shape 311"/>
           <p:cNvSpPr/>
           <p:nvPr>
             <p:ph idx="2" type="sldImg"/>
@@ -4849,7 +4852,7 @@
       </p:sp>
       <p:sp>
         <p:nvSpPr>
-          <p:cNvPr id="309" name="Shape 309"/>
+          <p:cNvPr id="312" name="Shape 312"/>
           <p:cNvSpPr txBox="1"/>
           <p:nvPr>
             <p:ph idx="1" type="body"/>
@@ -4899,7 +4902,7 @@
   <p:cSld>
     <p:spTree>
       <p:nvGrpSpPr>
-        <p:cNvPr id="313" name="Shape 313"/>
+        <p:cNvPr id="316" name="Shape 316"/>
         <p:cNvGrpSpPr/>
         <p:nvPr/>
       </p:nvGrpSpPr>
@@ -4913,7 +4916,7 @@
       </p:grpSpPr>
       <p:sp>
         <p:nvSpPr>
-          <p:cNvPr id="314" name="Shape 314"/>
+          <p:cNvPr id="317" name="Shape 317"/>
           <p:cNvSpPr/>
           <p:nvPr>
             <p:ph idx="2" type="sldImg"/>
@@ -4947,7 +4950,7 @@
       </p:sp>
       <p:sp>
         <p:nvSpPr>
-          <p:cNvPr id="315" name="Shape 315"/>
+          <p:cNvPr id="318" name="Shape 318"/>
           <p:cNvSpPr txBox="1"/>
           <p:nvPr>
             <p:ph idx="1" type="body"/>
@@ -4997,7 +5000,7 @@
   <p:cSld>
     <p:spTree>
       <p:nvGrpSpPr>
-        <p:cNvPr id="319" name="Shape 319"/>
+        <p:cNvPr id="322" name="Shape 322"/>
         <p:cNvGrpSpPr/>
         <p:nvPr/>
       </p:nvGrpSpPr>
@@ -5011,7 +5014,7 @@
       </p:grpSpPr>
       <p:sp>
         <p:nvSpPr>
-          <p:cNvPr id="320" name="Shape 320"/>
+          <p:cNvPr id="323" name="Shape 323"/>
           <p:cNvSpPr/>
           <p:nvPr>
             <p:ph idx="2" type="sldImg"/>
@@ -5045,7 +5048,7 @@
       </p:sp>
       <p:sp>
         <p:nvSpPr>
-          <p:cNvPr id="321" name="Shape 321"/>
+          <p:cNvPr id="324" name="Shape 324"/>
           <p:cNvSpPr txBox="1"/>
           <p:nvPr>
             <p:ph idx="1" type="body"/>
@@ -5095,7 +5098,7 @@
   <p:cSld>
     <p:spTree>
       <p:nvGrpSpPr>
-        <p:cNvPr id="325" name="Shape 325"/>
+        <p:cNvPr id="327" name="Shape 327"/>
         <p:cNvGrpSpPr/>
         <p:nvPr/>
       </p:nvGrpSpPr>
@@ -5109,7 +5112,7 @@
       </p:grpSpPr>
       <p:sp>
         <p:nvSpPr>
-          <p:cNvPr id="326" name="Shape 326"/>
+          <p:cNvPr id="328" name="Shape 328"/>
           <p:cNvSpPr/>
           <p:nvPr>
             <p:ph idx="2" type="sldImg"/>
@@ -5143,7 +5146,7 @@
       </p:sp>
       <p:sp>
         <p:nvSpPr>
-          <p:cNvPr id="327" name="Shape 327"/>
+          <p:cNvPr id="329" name="Shape 329"/>
           <p:cNvSpPr txBox="1"/>
           <p:nvPr>
             <p:ph idx="1" type="body"/>
@@ -5193,7 +5196,7 @@
   <p:cSld>
     <p:spTree>
       <p:nvGrpSpPr>
-        <p:cNvPr id="331" name="Shape 331"/>
+        <p:cNvPr id="333" name="Shape 333"/>
         <p:cNvGrpSpPr/>
         <p:nvPr/>
       </p:nvGrpSpPr>
@@ -5207,7 +5210,7 @@
       </p:grpSpPr>
       <p:sp>
         <p:nvSpPr>
-          <p:cNvPr id="332" name="Shape 332"/>
+          <p:cNvPr id="334" name="Shape 334"/>
           <p:cNvSpPr/>
           <p:nvPr>
             <p:ph idx="2" type="sldImg"/>
@@ -5241,7 +5244,7 @@
       </p:sp>
       <p:sp>
         <p:nvSpPr>
-          <p:cNvPr id="333" name="Shape 333"/>
+          <p:cNvPr id="335" name="Shape 335"/>
           <p:cNvSpPr txBox="1"/>
           <p:nvPr>
             <p:ph idx="1" type="body"/>
@@ -5291,7 +5294,7 @@
   <p:cSld>
     <p:spTree>
       <p:nvGrpSpPr>
-        <p:cNvPr id="337" name="Shape 337"/>
+        <p:cNvPr id="339" name="Shape 339"/>
         <p:cNvGrpSpPr/>
         <p:nvPr/>
       </p:nvGrpSpPr>
@@ -5305,7 +5308,7 @@
       </p:grpSpPr>
       <p:sp>
         <p:nvSpPr>
-          <p:cNvPr id="338" name="Shape 338"/>
+          <p:cNvPr id="340" name="Shape 340"/>
           <p:cNvSpPr/>
           <p:nvPr>
             <p:ph idx="2" type="sldImg"/>
@@ -5339,7 +5342,7 @@
       </p:sp>
       <p:sp>
         <p:nvSpPr>
-          <p:cNvPr id="339" name="Shape 339"/>
+          <p:cNvPr id="341" name="Shape 341"/>
           <p:cNvSpPr txBox="1"/>
           <p:nvPr>
             <p:ph idx="1" type="body"/>
@@ -5360,7 +5363,203 @@
           </a:bodyPr>
           <a:lstStyle/>
           <a:p>
-            <a:pPr indent="0" lvl="0" marL="0" rtl="0">
+            <a:pPr indent="0" lvl="0" marL="0">
+              <a:spcBef>
+                <a:spcPts val="0"/>
+              </a:spcBef>
+              <a:spcAft>
+                <a:spcPts val="0"/>
+              </a:spcAft>
+              <a:buNone/>
+            </a:pPr>
+            <a:r>
+              <a:t/>
+            </a:r>
+            <a:endParaRPr/>
+          </a:p>
+        </p:txBody>
+      </p:sp>
+    </p:spTree>
+  </p:cSld>
+  <p:clrMapOvr>
+    <a:masterClrMapping/>
+  </p:clrMapOvr>
+</p:notes>
+</file>
+
+<file path=ppt/notesSlides/notesSlide48.xml><?xml version="1.0" encoding="utf-8"?>
+<p:notes xmlns:a="http://schemas.openxmlformats.org/drawingml/2006/main" xmlns:r="http://schemas.openxmlformats.org/officeDocument/2006/relationships" xmlns:mc="http://schemas.openxmlformats.org/markup-compatibility/2006" xmlns:mv="urn:schemas-microsoft-com:mac:vml" xmlns:p="http://schemas.openxmlformats.org/presentationml/2006/main" xmlns:c="http://schemas.openxmlformats.org/drawingml/2006/chart" xmlns:dgm="http://schemas.openxmlformats.org/drawingml/2006/diagram" xmlns:o="urn:schemas-microsoft-com:office:office" xmlns:v="urn:schemas-microsoft-com:vml" xmlns:pvml="urn:schemas-microsoft-com:office:powerpoint" xmlns:com="http://schemas.openxmlformats.org/drawingml/2006/compatibility" xmlns:p14="http://schemas.microsoft.com/office/powerpoint/2010/main" xmlns:p15="http://schemas.microsoft.com/office/powerpoint/2012/main" showMasterPhAnim="0" showMasterSp="0">
+  <p:cSld>
+    <p:spTree>
+      <p:nvGrpSpPr>
+        <p:cNvPr id="345" name="Shape 345"/>
+        <p:cNvGrpSpPr/>
+        <p:nvPr/>
+      </p:nvGrpSpPr>
+      <p:grpSpPr>
+        <a:xfrm>
+          <a:off x="0" y="0"/>
+          <a:ext cx="0" cy="0"/>
+          <a:chOff x="0" y="0"/>
+          <a:chExt cx="0" cy="0"/>
+        </a:xfrm>
+      </p:grpSpPr>
+      <p:sp>
+        <p:nvSpPr>
+          <p:cNvPr id="346" name="Shape 346"/>
+          <p:cNvSpPr/>
+          <p:nvPr>
+            <p:ph idx="2" type="sldImg"/>
+          </p:nvPr>
+        </p:nvSpPr>
+        <p:spPr>
+          <a:xfrm>
+            <a:off x="381300" y="685800"/>
+            <a:ext cx="6096000" cy="3429000"/>
+          </a:xfrm>
+          <a:custGeom>
+            <a:pathLst>
+              <a:path extrusionOk="0" h="120000" w="120000">
+                <a:moveTo>
+                  <a:pt x="0" y="0"/>
+                </a:moveTo>
+                <a:lnTo>
+                  <a:pt x="120000" y="0"/>
+                </a:lnTo>
+                <a:lnTo>
+                  <a:pt x="120000" y="120000"/>
+                </a:lnTo>
+                <a:lnTo>
+                  <a:pt x="0" y="120000"/>
+                </a:lnTo>
+                <a:close/>
+              </a:path>
+            </a:pathLst>
+          </a:custGeom>
+        </p:spPr>
+      </p:sp>
+      <p:sp>
+        <p:nvSpPr>
+          <p:cNvPr id="347" name="Shape 347"/>
+          <p:cNvSpPr txBox="1"/>
+          <p:nvPr>
+            <p:ph idx="1" type="body"/>
+          </p:nvPr>
+        </p:nvSpPr>
+        <p:spPr>
+          <a:xfrm>
+            <a:off x="685800" y="4343400"/>
+            <a:ext cx="5486400" cy="4114800"/>
+          </a:xfrm>
+          <a:prstGeom prst="rect">
+            <a:avLst/>
+          </a:prstGeom>
+        </p:spPr>
+        <p:txBody>
+          <a:bodyPr anchorCtr="0" anchor="t" bIns="91425" lIns="91425" spcFirstLastPara="1" rIns="91425" wrap="square" tIns="91425">
+            <a:noAutofit/>
+          </a:bodyPr>
+          <a:lstStyle/>
+          <a:p>
+            <a:pPr indent="0" lvl="0" marL="0">
+              <a:spcBef>
+                <a:spcPts val="0"/>
+              </a:spcBef>
+              <a:spcAft>
+                <a:spcPts val="0"/>
+              </a:spcAft>
+              <a:buNone/>
+            </a:pPr>
+            <a:r>
+              <a:t/>
+            </a:r>
+            <a:endParaRPr/>
+          </a:p>
+        </p:txBody>
+      </p:sp>
+    </p:spTree>
+  </p:cSld>
+  <p:clrMapOvr>
+    <a:masterClrMapping/>
+  </p:clrMapOvr>
+</p:notes>
+</file>
+
+<file path=ppt/notesSlides/notesSlide49.xml><?xml version="1.0" encoding="utf-8"?>
+<p:notes xmlns:a="http://schemas.openxmlformats.org/drawingml/2006/main" xmlns:r="http://schemas.openxmlformats.org/officeDocument/2006/relationships" xmlns:mc="http://schemas.openxmlformats.org/markup-compatibility/2006" xmlns:mv="urn:schemas-microsoft-com:mac:vml" xmlns:p="http://schemas.openxmlformats.org/presentationml/2006/main" xmlns:c="http://schemas.openxmlformats.org/drawingml/2006/chart" xmlns:dgm="http://schemas.openxmlformats.org/drawingml/2006/diagram" xmlns:o="urn:schemas-microsoft-com:office:office" xmlns:v="urn:schemas-microsoft-com:vml" xmlns:pvml="urn:schemas-microsoft-com:office:powerpoint" xmlns:com="http://schemas.openxmlformats.org/drawingml/2006/compatibility" xmlns:p14="http://schemas.microsoft.com/office/powerpoint/2010/main" xmlns:p15="http://schemas.microsoft.com/office/powerpoint/2012/main" showMasterPhAnim="0" showMasterSp="0">
+  <p:cSld>
+    <p:spTree>
+      <p:nvGrpSpPr>
+        <p:cNvPr id="351" name="Shape 351"/>
+        <p:cNvGrpSpPr/>
+        <p:nvPr/>
+      </p:nvGrpSpPr>
+      <p:grpSpPr>
+        <a:xfrm>
+          <a:off x="0" y="0"/>
+          <a:ext cx="0" cy="0"/>
+          <a:chOff x="0" y="0"/>
+          <a:chExt cx="0" cy="0"/>
+        </a:xfrm>
+      </p:grpSpPr>
+      <p:sp>
+        <p:nvSpPr>
+          <p:cNvPr id="352" name="Shape 352"/>
+          <p:cNvSpPr/>
+          <p:nvPr>
+            <p:ph idx="2" type="sldImg"/>
+          </p:nvPr>
+        </p:nvSpPr>
+        <p:spPr>
+          <a:xfrm>
+            <a:off x="381300" y="685800"/>
+            <a:ext cx="6096000" cy="3429000"/>
+          </a:xfrm>
+          <a:custGeom>
+            <a:pathLst>
+              <a:path extrusionOk="0" h="120000" w="120000">
+                <a:moveTo>
+                  <a:pt x="0" y="0"/>
+                </a:moveTo>
+                <a:lnTo>
+                  <a:pt x="120000" y="0"/>
+                </a:lnTo>
+                <a:lnTo>
+                  <a:pt x="120000" y="120000"/>
+                </a:lnTo>
+                <a:lnTo>
+                  <a:pt x="0" y="120000"/>
+                </a:lnTo>
+                <a:close/>
+              </a:path>
+            </a:pathLst>
+          </a:custGeom>
+        </p:spPr>
+      </p:sp>
+      <p:sp>
+        <p:nvSpPr>
+          <p:cNvPr id="353" name="Shape 353"/>
+          <p:cNvSpPr txBox="1"/>
+          <p:nvPr>
+            <p:ph idx="1" type="body"/>
+          </p:nvPr>
+        </p:nvSpPr>
+        <p:spPr>
+          <a:xfrm>
+            <a:off x="685800" y="4343400"/>
+            <a:ext cx="5486400" cy="4114800"/>
+          </a:xfrm>
+          <a:prstGeom prst="rect">
+            <a:avLst/>
+          </a:prstGeom>
+        </p:spPr>
+        <p:txBody>
+          <a:bodyPr anchorCtr="0" anchor="t" bIns="91425" lIns="91425" spcFirstLastPara="1" rIns="91425" wrap="square" tIns="91425">
+            <a:noAutofit/>
+          </a:bodyPr>
+          <a:lstStyle/>
+          <a:p>
+            <a:pPr indent="0" lvl="0" marL="0">
               <a:spcBef>
                 <a:spcPts val="0"/>
               </a:spcBef>
@@ -5459,6 +5658,104 @@
           <a:lstStyle/>
           <a:p>
             <a:pPr indent="0" lvl="0" marL="0">
+              <a:spcBef>
+                <a:spcPts val="0"/>
+              </a:spcBef>
+              <a:spcAft>
+                <a:spcPts val="0"/>
+              </a:spcAft>
+              <a:buNone/>
+            </a:pPr>
+            <a:r>
+              <a:t/>
+            </a:r>
+            <a:endParaRPr/>
+          </a:p>
+        </p:txBody>
+      </p:sp>
+    </p:spTree>
+  </p:cSld>
+  <p:clrMapOvr>
+    <a:masterClrMapping/>
+  </p:clrMapOvr>
+</p:notes>
+</file>
+
+<file path=ppt/notesSlides/notesSlide50.xml><?xml version="1.0" encoding="utf-8"?>
+<p:notes xmlns:a="http://schemas.openxmlformats.org/drawingml/2006/main" xmlns:r="http://schemas.openxmlformats.org/officeDocument/2006/relationships" xmlns:mc="http://schemas.openxmlformats.org/markup-compatibility/2006" xmlns:mv="urn:schemas-microsoft-com:mac:vml" xmlns:p="http://schemas.openxmlformats.org/presentationml/2006/main" xmlns:c="http://schemas.openxmlformats.org/drawingml/2006/chart" xmlns:dgm="http://schemas.openxmlformats.org/drawingml/2006/diagram" xmlns:o="urn:schemas-microsoft-com:office:office" xmlns:v="urn:schemas-microsoft-com:vml" xmlns:pvml="urn:schemas-microsoft-com:office:powerpoint" xmlns:com="http://schemas.openxmlformats.org/drawingml/2006/compatibility" xmlns:p14="http://schemas.microsoft.com/office/powerpoint/2010/main" xmlns:p15="http://schemas.microsoft.com/office/powerpoint/2012/main" showMasterPhAnim="0" showMasterSp="0">
+  <p:cSld>
+    <p:spTree>
+      <p:nvGrpSpPr>
+        <p:cNvPr id="357" name="Shape 357"/>
+        <p:cNvGrpSpPr/>
+        <p:nvPr/>
+      </p:nvGrpSpPr>
+      <p:grpSpPr>
+        <a:xfrm>
+          <a:off x="0" y="0"/>
+          <a:ext cx="0" cy="0"/>
+          <a:chOff x="0" y="0"/>
+          <a:chExt cx="0" cy="0"/>
+        </a:xfrm>
+      </p:grpSpPr>
+      <p:sp>
+        <p:nvSpPr>
+          <p:cNvPr id="358" name="Shape 358"/>
+          <p:cNvSpPr/>
+          <p:nvPr>
+            <p:ph idx="2" type="sldImg"/>
+          </p:nvPr>
+        </p:nvSpPr>
+        <p:spPr>
+          <a:xfrm>
+            <a:off x="381300" y="685800"/>
+            <a:ext cx="6096000" cy="3429000"/>
+          </a:xfrm>
+          <a:custGeom>
+            <a:pathLst>
+              <a:path extrusionOk="0" h="120000" w="120000">
+                <a:moveTo>
+                  <a:pt x="0" y="0"/>
+                </a:moveTo>
+                <a:lnTo>
+                  <a:pt x="120000" y="0"/>
+                </a:lnTo>
+                <a:lnTo>
+                  <a:pt x="120000" y="120000"/>
+                </a:lnTo>
+                <a:lnTo>
+                  <a:pt x="0" y="120000"/>
+                </a:lnTo>
+                <a:close/>
+              </a:path>
+            </a:pathLst>
+          </a:custGeom>
+        </p:spPr>
+      </p:sp>
+      <p:sp>
+        <p:nvSpPr>
+          <p:cNvPr id="359" name="Shape 359"/>
+          <p:cNvSpPr txBox="1"/>
+          <p:nvPr>
+            <p:ph idx="1" type="body"/>
+          </p:nvPr>
+        </p:nvSpPr>
+        <p:spPr>
+          <a:xfrm>
+            <a:off x="685800" y="4343400"/>
+            <a:ext cx="5486400" cy="4114800"/>
+          </a:xfrm>
+          <a:prstGeom prst="rect">
+            <a:avLst/>
+          </a:prstGeom>
+        </p:spPr>
+        <p:txBody>
+          <a:bodyPr anchorCtr="0" anchor="t" bIns="91425" lIns="91425" spcFirstLastPara="1" rIns="91425" wrap="square" tIns="91425">
+            <a:noAutofit/>
+          </a:bodyPr>
+          <a:lstStyle/>
+          <a:p>
+            <a:pPr indent="0" lvl="0" marL="0" rtl="0">
               <a:spcBef>
                 <a:spcPts val="0"/>
               </a:spcBef>
@@ -14343,72 +14640,33 @@
         </p:nvSpPr>
         <p:spPr>
           <a:xfrm>
-            <a:off x="311700" y="445025"/>
-            <a:ext cx="8520600" cy="572700"/>
+            <a:off x="311700" y="2150850"/>
+            <a:ext cx="8520600" cy="841800"/>
           </a:xfrm>
           <a:prstGeom prst="rect">
             <a:avLst/>
           </a:prstGeom>
         </p:spPr>
         <p:txBody>
-          <a:bodyPr anchorCtr="0" anchor="t" bIns="91425" lIns="91425" spcFirstLastPara="1" rIns="91425" wrap="square" tIns="91425">
+          <a:bodyPr anchorCtr="0" anchor="ctr" bIns="91425" lIns="91425" spcFirstLastPara="1" rIns="91425" wrap="square" tIns="91425">
             <a:noAutofit/>
           </a:bodyPr>
           <a:lstStyle/>
           <a:p>
-            <a:pPr indent="0" lvl="0" marL="0">
-              <a:spcBef>
-                <a:spcPts val="0"/>
-              </a:spcBef>
-              <a:spcAft>
-                <a:spcPts val="0"/>
-              </a:spcAft>
-              <a:buNone/>
-            </a:pPr>
-            <a:r>
-              <a:rPr lang="en"/>
-              <a:t>A New Kind of Service</a:t>
-            </a:r>
-            <a:endParaRPr/>
-          </a:p>
-        </p:txBody>
-      </p:sp>
-      <p:sp>
-        <p:nvSpPr>
-          <p:cNvPr id="185" name="Shape 185"/>
-          <p:cNvSpPr txBox="1"/>
-          <p:nvPr>
-            <p:ph idx="1" type="body"/>
-          </p:nvPr>
-        </p:nvSpPr>
-        <p:spPr>
-          <a:xfrm>
-            <a:off x="311700" y="1152475"/>
-            <a:ext cx="8520600" cy="3416400"/>
-          </a:xfrm>
-          <a:prstGeom prst="rect">
-            <a:avLst/>
-          </a:prstGeom>
-        </p:spPr>
-        <p:txBody>
-          <a:bodyPr anchorCtr="0" anchor="t" bIns="91425" lIns="91425" spcFirstLastPara="1" rIns="91425" wrap="square" tIns="91425">
-            <a:noAutofit/>
-          </a:bodyPr>
-          <a:lstStyle/>
-          <a:p>
-            <a:pPr indent="0" lvl="0" marL="0">
-              <a:spcBef>
-                <a:spcPts val="0"/>
-              </a:spcBef>
-              <a:spcAft>
-                <a:spcPts val="1600"/>
-              </a:spcAft>
-              <a:buNone/>
-            </a:pPr>
-            <a:r>
-              <a:t/>
-            </a:r>
-            <a:endParaRPr/>
+            <a:pPr indent="0" lvl="0" marL="0" rtl="0">
+              <a:spcBef>
+                <a:spcPts val="0"/>
+              </a:spcBef>
+              <a:spcAft>
+                <a:spcPts val="0"/>
+              </a:spcAft>
+              <a:buNone/>
+            </a:pPr>
+            <a:r>
+              <a:rPr i="1" lang="en" sz="2400"/>
+              <a:t>Fielding's REST ticks many of the boxes for Microservices</a:t>
+            </a:r>
+            <a:endParaRPr i="1" sz="2400"/>
           </a:p>
         </p:txBody>
       </p:sp>
@@ -14425,7 +14683,7 @@
   <p:cSld>
     <p:spTree>
       <p:nvGrpSpPr>
-        <p:cNvPr id="189" name="Shape 189"/>
+        <p:cNvPr id="188" name="Shape 188"/>
         <p:cNvGrpSpPr/>
         <p:nvPr/>
       </p:nvGrpSpPr>
@@ -14439,7 +14697,7 @@
       </p:grpSpPr>
       <p:sp>
         <p:nvSpPr>
-          <p:cNvPr id="190" name="Shape 190"/>
+          <p:cNvPr id="189" name="Shape 189"/>
           <p:cNvSpPr txBox="1"/>
           <p:nvPr>
             <p:ph type="title"/>
@@ -14471,7 +14729,7 @@
             </a:pPr>
             <a:r>
               <a:rPr lang="en"/>
-              <a:t>Analysis Exercise</a:t>
+              <a:t>A New Kind of Service</a:t>
             </a:r>
             <a:endParaRPr/>
           </a:p>
@@ -14479,7 +14737,7 @@
       </p:sp>
       <p:sp>
         <p:nvSpPr>
-          <p:cNvPr id="191" name="Shape 191"/>
+          <p:cNvPr id="190" name="Shape 190"/>
           <p:cNvSpPr txBox="1"/>
           <p:nvPr>
             <p:ph idx="1" type="body"/>
@@ -14529,7 +14787,7 @@
   <p:cSld>
     <p:spTree>
       <p:nvGrpSpPr>
-        <p:cNvPr id="195" name="Shape 195"/>
+        <p:cNvPr id="194" name="Shape 194"/>
         <p:cNvGrpSpPr/>
         <p:nvPr/>
       </p:nvGrpSpPr>
@@ -14543,7 +14801,7 @@
       </p:grpSpPr>
       <p:sp>
         <p:nvSpPr>
-          <p:cNvPr id="196" name="Shape 196"/>
+          <p:cNvPr id="195" name="Shape 195"/>
           <p:cNvSpPr txBox="1"/>
           <p:nvPr>
             <p:ph type="title"/>
@@ -14551,15 +14809,15 @@
         </p:nvSpPr>
         <p:spPr>
           <a:xfrm>
-            <a:off x="311700" y="2150850"/>
-            <a:ext cx="8520600" cy="841800"/>
+            <a:off x="311700" y="445025"/>
+            <a:ext cx="8520600" cy="572700"/>
           </a:xfrm>
           <a:prstGeom prst="rect">
             <a:avLst/>
           </a:prstGeom>
         </p:spPr>
         <p:txBody>
-          <a:bodyPr anchorCtr="0" anchor="ctr" bIns="91425" lIns="91425" spcFirstLastPara="1" rIns="91425" wrap="square" tIns="91425">
+          <a:bodyPr anchorCtr="0" anchor="t" bIns="91425" lIns="91425" spcFirstLastPara="1" rIns="91425" wrap="square" tIns="91425">
             <a:noAutofit/>
           </a:bodyPr>
           <a:lstStyle/>
@@ -14575,7 +14833,46 @@
             </a:pPr>
             <a:r>
               <a:rPr lang="en"/>
-              <a:t>Models, Messages, and Vocabularies</a:t>
+              <a:t>Analysis Exercise</a:t>
+            </a:r>
+            <a:endParaRPr/>
+          </a:p>
+        </p:txBody>
+      </p:sp>
+      <p:sp>
+        <p:nvSpPr>
+          <p:cNvPr id="196" name="Shape 196"/>
+          <p:cNvSpPr txBox="1"/>
+          <p:nvPr>
+            <p:ph idx="1" type="body"/>
+          </p:nvPr>
+        </p:nvSpPr>
+        <p:spPr>
+          <a:xfrm>
+            <a:off x="311700" y="1152475"/>
+            <a:ext cx="8520600" cy="3416400"/>
+          </a:xfrm>
+          <a:prstGeom prst="rect">
+            <a:avLst/>
+          </a:prstGeom>
+        </p:spPr>
+        <p:txBody>
+          <a:bodyPr anchorCtr="0" anchor="t" bIns="91425" lIns="91425" spcFirstLastPara="1" rIns="91425" wrap="square" tIns="91425">
+            <a:noAutofit/>
+          </a:bodyPr>
+          <a:lstStyle/>
+          <a:p>
+            <a:pPr indent="0" lvl="0" marL="0">
+              <a:spcBef>
+                <a:spcPts val="0"/>
+              </a:spcBef>
+              <a:spcAft>
+                <a:spcPts val="1600"/>
+              </a:spcAft>
+              <a:buNone/>
+            </a:pPr>
+            <a:r>
+              <a:t/>
             </a:r>
             <a:endParaRPr/>
           </a:p>
@@ -14616,6 +14913,71 @@
         </p:nvSpPr>
         <p:spPr>
           <a:xfrm>
+            <a:off x="311700" y="2150850"/>
+            <a:ext cx="8520600" cy="841800"/>
+          </a:xfrm>
+          <a:prstGeom prst="rect">
+            <a:avLst/>
+          </a:prstGeom>
+        </p:spPr>
+        <p:txBody>
+          <a:bodyPr anchorCtr="0" anchor="ctr" bIns="91425" lIns="91425" spcFirstLastPara="1" rIns="91425" wrap="square" tIns="91425">
+            <a:noAutofit/>
+          </a:bodyPr>
+          <a:lstStyle/>
+          <a:p>
+            <a:pPr indent="0" lvl="0" marL="0">
+              <a:spcBef>
+                <a:spcPts val="0"/>
+              </a:spcBef>
+              <a:spcAft>
+                <a:spcPts val="0"/>
+              </a:spcAft>
+              <a:buNone/>
+            </a:pPr>
+            <a:r>
+              <a:rPr lang="en"/>
+              <a:t>Models, Messages, and Vocabularies</a:t>
+            </a:r>
+            <a:endParaRPr/>
+          </a:p>
+        </p:txBody>
+      </p:sp>
+    </p:spTree>
+  </p:cSld>
+  <p:clrMapOvr>
+    <a:masterClrMapping/>
+  </p:clrMapOvr>
+</p:sld>
+</file>
+
+<file path=ppt/slides/slide24.xml><?xml version="1.0" encoding="utf-8"?>
+<p:sld xmlns:a="http://schemas.openxmlformats.org/drawingml/2006/main" xmlns:r="http://schemas.openxmlformats.org/officeDocument/2006/relationships" xmlns:mc="http://schemas.openxmlformats.org/markup-compatibility/2006" xmlns:mv="urn:schemas-microsoft-com:mac:vml" xmlns:p="http://schemas.openxmlformats.org/presentationml/2006/main" xmlns:c="http://schemas.openxmlformats.org/drawingml/2006/chart" xmlns:dgm="http://schemas.openxmlformats.org/drawingml/2006/diagram" xmlns:o="urn:schemas-microsoft-com:office:office" xmlns:v="urn:schemas-microsoft-com:vml" xmlns:pvml="urn:schemas-microsoft-com:office:powerpoint" xmlns:com="http://schemas.openxmlformats.org/drawingml/2006/compatibility" xmlns:p14="http://schemas.microsoft.com/office/powerpoint/2010/main" xmlns:p15="http://schemas.microsoft.com/office/powerpoint/2012/main">
+  <p:cSld>
+    <p:spTree>
+      <p:nvGrpSpPr>
+        <p:cNvPr id="205" name="Shape 205"/>
+        <p:cNvGrpSpPr/>
+        <p:nvPr/>
+      </p:nvGrpSpPr>
+      <p:grpSpPr>
+        <a:xfrm>
+          <a:off x="0" y="0"/>
+          <a:ext cx="0" cy="0"/>
+          <a:chOff x="0" y="0"/>
+          <a:chExt cx="0" cy="0"/>
+        </a:xfrm>
+      </p:grpSpPr>
+      <p:sp>
+        <p:nvSpPr>
+          <p:cNvPr id="206" name="Shape 206"/>
+          <p:cNvSpPr txBox="1"/>
+          <p:nvPr>
+            <p:ph type="title"/>
+          </p:nvPr>
+        </p:nvSpPr>
+        <p:spPr>
+          <a:xfrm>
             <a:off x="311700" y="445025"/>
             <a:ext cx="8520600" cy="572700"/>
           </a:xfrm>
@@ -14648,7 +15010,7 @@
       </p:sp>
       <p:sp>
         <p:nvSpPr>
-          <p:cNvPr id="202" name="Shape 202"/>
+          <p:cNvPr id="207" name="Shape 207"/>
           <p:cNvSpPr txBox="1"/>
           <p:nvPr>
             <p:ph idx="1" type="body"/>
@@ -14777,7 +15139,7 @@
                                           </p:stCondLst>
                                         </p:cTn>
                                         <p:tgtEl>
-                                          <p:spTgt spid="202">
+                                          <p:spTgt spid="207">
                                             <p:txEl>
                                               <p:pRg end="0" st="0"/>
                                             </p:txEl>
@@ -14795,7 +15157,7 @@
                                       <p:cBhvr>
                                         <p:cTn dur="1000"/>
                                         <p:tgtEl>
-                                          <p:spTgt spid="202">
+                                          <p:spTgt spid="207">
                                             <p:txEl>
                                               <p:pRg end="0" st="0"/>
                                             </p:txEl>
@@ -14838,7 +15200,7 @@
                                           </p:stCondLst>
                                         </p:cTn>
                                         <p:tgtEl>
-                                          <p:spTgt spid="202">
+                                          <p:spTgt spid="207">
                                             <p:txEl>
                                               <p:pRg end="1" st="1"/>
                                             </p:txEl>
@@ -14856,7 +15218,7 @@
                                       <p:cBhvr>
                                         <p:cTn dur="1000"/>
                                         <p:tgtEl>
-                                          <p:spTgt spid="202">
+                                          <p:spTgt spid="207">
                                             <p:txEl>
                                               <p:pRg end="1" st="1"/>
                                             </p:txEl>
@@ -14899,7 +15261,7 @@
                                           </p:stCondLst>
                                         </p:cTn>
                                         <p:tgtEl>
-                                          <p:spTgt spid="202">
+                                          <p:spTgt spid="207">
                                             <p:txEl>
                                               <p:pRg end="2" st="2"/>
                                             </p:txEl>
@@ -14917,7 +15279,7 @@
                                       <p:cBhvr>
                                         <p:cTn dur="1000"/>
                                         <p:tgtEl>
-                                          <p:spTgt spid="202">
+                                          <p:spTgt spid="207">
                                             <p:txEl>
                                               <p:pRg end="2" st="2"/>
                                             </p:txEl>
@@ -14960,7 +15322,7 @@
                                           </p:stCondLst>
                                         </p:cTn>
                                         <p:tgtEl>
-                                          <p:spTgt spid="202">
+                                          <p:spTgt spid="207">
                                             <p:txEl>
                                               <p:pRg end="3" st="3"/>
                                             </p:txEl>
@@ -14978,7 +15340,7 @@
                                       <p:cBhvr>
                                         <p:cTn dur="1000"/>
                                         <p:tgtEl>
-                                          <p:spTgt spid="202">
+                                          <p:spTgt spid="207">
                                             <p:txEl>
                                               <p:pRg end="3" st="3"/>
                                             </p:txEl>
@@ -15020,12 +15382,12 @@
 </p:sld>
 </file>
 
-<file path=ppt/slides/slide24.xml><?xml version="1.0" encoding="utf-8"?>
+<file path=ppt/slides/slide25.xml><?xml version="1.0" encoding="utf-8"?>
 <p:sld xmlns:a="http://schemas.openxmlformats.org/drawingml/2006/main" xmlns:r="http://schemas.openxmlformats.org/officeDocument/2006/relationships" xmlns:mc="http://schemas.openxmlformats.org/markup-compatibility/2006" xmlns:mv="urn:schemas-microsoft-com:mac:vml" xmlns:p="http://schemas.openxmlformats.org/presentationml/2006/main" xmlns:c="http://schemas.openxmlformats.org/drawingml/2006/chart" xmlns:dgm="http://schemas.openxmlformats.org/drawingml/2006/diagram" xmlns:o="urn:schemas-microsoft-com:office:office" xmlns:v="urn:schemas-microsoft-com:vml" xmlns:pvml="urn:schemas-microsoft-com:office:powerpoint" xmlns:com="http://schemas.openxmlformats.org/drawingml/2006/compatibility" xmlns:p14="http://schemas.microsoft.com/office/powerpoint/2010/main" xmlns:p15="http://schemas.microsoft.com/office/powerpoint/2012/main">
   <p:cSld>
     <p:spTree>
       <p:nvGrpSpPr>
-        <p:cNvPr id="206" name="Shape 206"/>
+        <p:cNvPr id="211" name="Shape 211"/>
         <p:cNvGrpSpPr/>
         <p:nvPr/>
       </p:nvGrpSpPr>
@@ -15039,7 +15401,7 @@
       </p:grpSpPr>
       <p:sp>
         <p:nvSpPr>
-          <p:cNvPr id="207" name="Shape 207"/>
+          <p:cNvPr id="212" name="Shape 212"/>
           <p:cNvSpPr txBox="1"/>
           <p:nvPr>
             <p:ph type="title"/>
@@ -15071,7 +15433,7 @@
             </a:pPr>
             <a:r>
               <a:rPr lang="en"/>
-              <a:t>Models on the Inside</a:t>
+              <a:t>Data on the Inside vs. Data on the Outside</a:t>
             </a:r>
             <a:endParaRPr/>
           </a:p>
@@ -15079,7 +15441,7 @@
       </p:sp>
       <p:sp>
         <p:nvSpPr>
-          <p:cNvPr id="208" name="Shape 208"/>
+          <p:cNvPr id="213" name="Shape 213"/>
           <p:cNvSpPr txBox="1"/>
           <p:nvPr>
             <p:ph idx="1" type="body"/>
@@ -15088,7 +15450,7 @@
         <p:spPr>
           <a:xfrm>
             <a:off x="311700" y="1152475"/>
-            <a:ext cx="8520600" cy="3416400"/>
+            <a:ext cx="5340600" cy="3416400"/>
           </a:xfrm>
           <a:prstGeom prst="rect">
             <a:avLst/>
@@ -15110,116 +15472,61 @@
               <a:buNone/>
             </a:pPr>
             <a:r>
-              <a:t/>
+              <a:rPr i="1" lang="en"/>
+              <a:t>"</a:t>
+            </a:r>
+            <a:r>
+              <a:rPr i="1" lang="en"/>
+              <a:t>This paper proposes there are a number of seminal differences between data inside a service and data sent into the space outside of the service boundary."</a:t>
+            </a:r>
+            <a:br>
+              <a:rPr lang="en"/>
+            </a:br>
+            <a:br>
+              <a:rPr lang="en"/>
+            </a:br>
+            <a:r>
+              <a:rPr lang="en"/>
+              <a:t>-- Pat Helland, 2005</a:t>
             </a:r>
             <a:endParaRPr/>
           </a:p>
         </p:txBody>
       </p:sp>
-    </p:spTree>
-  </p:cSld>
-  <p:clrMapOvr>
-    <a:masterClrMapping/>
-  </p:clrMapOvr>
-</p:sld>
-</file>
-
-<file path=ppt/slides/slide25.xml><?xml version="1.0" encoding="utf-8"?>
-<p:sld xmlns:a="http://schemas.openxmlformats.org/drawingml/2006/main" xmlns:r="http://schemas.openxmlformats.org/officeDocument/2006/relationships" xmlns:mc="http://schemas.openxmlformats.org/markup-compatibility/2006" xmlns:mv="urn:schemas-microsoft-com:mac:vml" xmlns:p="http://schemas.openxmlformats.org/presentationml/2006/main" xmlns:c="http://schemas.openxmlformats.org/drawingml/2006/chart" xmlns:dgm="http://schemas.openxmlformats.org/drawingml/2006/diagram" xmlns:o="urn:schemas-microsoft-com:office:office" xmlns:v="urn:schemas-microsoft-com:vml" xmlns:pvml="urn:schemas-microsoft-com:office:powerpoint" xmlns:com="http://schemas.openxmlformats.org/drawingml/2006/compatibility" xmlns:p14="http://schemas.microsoft.com/office/powerpoint/2010/main" xmlns:p15="http://schemas.microsoft.com/office/powerpoint/2012/main">
-  <p:cSld>
-    <p:spTree>
-      <p:nvGrpSpPr>
-        <p:cNvPr id="212" name="Shape 212"/>
-        <p:cNvGrpSpPr/>
-        <p:nvPr/>
-      </p:nvGrpSpPr>
-      <p:grpSpPr>
-        <a:xfrm>
-          <a:off x="0" y="0"/>
-          <a:ext cx="0" cy="0"/>
-          <a:chOff x="0" y="0"/>
-          <a:chExt cx="0" cy="0"/>
-        </a:xfrm>
-      </p:grpSpPr>
-      <p:sp>
-        <p:nvSpPr>
-          <p:cNvPr id="213" name="Shape 213"/>
-          <p:cNvSpPr txBox="1"/>
-          <p:nvPr>
-            <p:ph type="title"/>
-          </p:nvPr>
-        </p:nvSpPr>
-        <p:spPr>
-          <a:xfrm>
-            <a:off x="311700" y="445025"/>
-            <a:ext cx="8520600" cy="572700"/>
+      <p:pic>
+        <p:nvPicPr>
+          <p:cNvPr id="214" name="Shape 214"/>
+          <p:cNvPicPr preferRelativeResize="0"/>
+          <p:nvPr/>
+        </p:nvPicPr>
+        <p:blipFill>
+          <a:blip r:embed="rId3">
+            <a:alphaModFix/>
+          </a:blip>
+          <a:stretch>
+            <a:fillRect/>
+          </a:stretch>
+        </p:blipFill>
+        <p:spPr>
+          <a:xfrm>
+            <a:off x="6480650" y="1088875"/>
+            <a:ext cx="2351649" cy="2398601"/>
           </a:xfrm>
           <a:prstGeom prst="rect">
             <a:avLst/>
           </a:prstGeom>
-        </p:spPr>
-        <p:txBody>
-          <a:bodyPr anchorCtr="0" anchor="t" bIns="91425" lIns="91425" spcFirstLastPara="1" rIns="91425" wrap="square" tIns="91425">
-            <a:noAutofit/>
-          </a:bodyPr>
-          <a:lstStyle/>
-          <a:p>
-            <a:pPr indent="0" lvl="0" marL="0">
-              <a:spcBef>
-                <a:spcPts val="0"/>
-              </a:spcBef>
-              <a:spcAft>
-                <a:spcPts val="0"/>
-              </a:spcAft>
-              <a:buNone/>
-            </a:pPr>
-            <a:r>
-              <a:rPr lang="en"/>
-              <a:t>Messages on the Outside</a:t>
-            </a:r>
-            <a:endParaRPr/>
-          </a:p>
-        </p:txBody>
-      </p:sp>
-      <p:sp>
-        <p:nvSpPr>
-          <p:cNvPr id="214" name="Shape 214"/>
-          <p:cNvSpPr txBox="1"/>
-          <p:nvPr>
-            <p:ph idx="1" type="body"/>
-          </p:nvPr>
-        </p:nvSpPr>
-        <p:spPr>
-          <a:xfrm>
-            <a:off x="311700" y="1152475"/>
-            <a:ext cx="8520600" cy="3416400"/>
-          </a:xfrm>
-          <a:prstGeom prst="rect">
-            <a:avLst/>
-          </a:prstGeom>
-        </p:spPr>
-        <p:txBody>
-          <a:bodyPr anchorCtr="0" anchor="t" bIns="91425" lIns="91425" spcFirstLastPara="1" rIns="91425" wrap="square" tIns="91425">
-            <a:noAutofit/>
-          </a:bodyPr>
-          <a:lstStyle/>
-          <a:p>
-            <a:pPr indent="0" lvl="0" marL="0">
-              <a:spcBef>
-                <a:spcPts val="0"/>
-              </a:spcBef>
-              <a:spcAft>
-                <a:spcPts val="1600"/>
-              </a:spcAft>
-              <a:buNone/>
-            </a:pPr>
-            <a:r>
-              <a:t/>
-            </a:r>
-            <a:endParaRPr/>
-          </a:p>
-        </p:txBody>
-      </p:sp>
+          <a:noFill/>
+          <a:ln cap="flat" cmpd="sng" w="9525">
+            <a:solidFill>
+              <a:schemeClr val="dk2"/>
+            </a:solidFill>
+            <a:prstDash val="solid"/>
+            <a:round/>
+            <a:headEnd len="med" w="med" type="none"/>
+            <a:tailEnd len="med" w="med" type="none"/>
+          </a:ln>
+        </p:spPr>
+      </p:pic>
     </p:spTree>
   </p:cSld>
   <p:clrMapOvr>
@@ -15268,7 +15575,7 @@
           </a:bodyPr>
           <a:lstStyle/>
           <a:p>
-            <a:pPr indent="0" lvl="0" marL="0">
+            <a:pPr indent="0" lvl="0" marL="0" rtl="0">
               <a:spcBef>
                 <a:spcPts val="0"/>
               </a:spcBef>
@@ -15279,7 +15586,7 @@
             </a:pPr>
             <a:r>
               <a:rPr lang="en"/>
-              <a:t>Vocabularies Everywhere</a:t>
+              <a:t>Models on the Inside</a:t>
             </a:r>
             <a:endParaRPr/>
           </a:p>
@@ -15296,7 +15603,7 @@
         <p:spPr>
           <a:xfrm>
             <a:off x="311700" y="1152475"/>
-            <a:ext cx="8520600" cy="3416400"/>
+            <a:ext cx="7423500" cy="3416400"/>
           </a:xfrm>
           <a:prstGeom prst="rect">
             <a:avLst/>
@@ -15308,22 +15615,151 @@
           </a:bodyPr>
           <a:lstStyle/>
           <a:p>
-            <a:pPr indent="0" lvl="0" marL="0">
-              <a:spcBef>
-                <a:spcPts val="0"/>
-              </a:spcBef>
-              <a:spcAft>
-                <a:spcPts val="1600"/>
-              </a:spcAft>
-              <a:buNone/>
-            </a:pPr>
-            <a:r>
-              <a:t/>
+            <a:pPr indent="-342900" lvl="0" marL="457200" rtl="0">
+              <a:spcBef>
+                <a:spcPts val="0"/>
+              </a:spcBef>
+              <a:spcAft>
+                <a:spcPts val="0"/>
+              </a:spcAft>
+              <a:buSzPts val="1800"/>
+              <a:buChar char="●"/>
+            </a:pPr>
+            <a:r>
+              <a:rPr lang="en"/>
+              <a:t>Inside is immediate, transactional</a:t>
+            </a:r>
+            <a:endParaRPr/>
+          </a:p>
+          <a:p>
+            <a:pPr indent="-342900" lvl="0" marL="457200" rtl="0">
+              <a:spcBef>
+                <a:spcPts val="0"/>
+              </a:spcBef>
+              <a:spcAft>
+                <a:spcPts val="0"/>
+              </a:spcAft>
+              <a:buSzPts val="1800"/>
+              <a:buChar char="●"/>
+            </a:pPr>
+            <a:r>
+              <a:rPr lang="en"/>
+              <a:t>Data storage models (</a:t>
+            </a:r>
+            <a:r>
+              <a:rPr lang="en">
+                <a:latin typeface="Consolas"/>
+                <a:ea typeface="Consolas"/>
+                <a:cs typeface="Consolas"/>
+                <a:sym typeface="Consolas"/>
+              </a:rPr>
+              <a:t>customers.db, orders.db</a:t>
+            </a:r>
+            <a:r>
+              <a:rPr lang="en"/>
+              <a:t>)</a:t>
+            </a:r>
+            <a:endParaRPr/>
+          </a:p>
+          <a:p>
+            <a:pPr indent="-342900" lvl="0" marL="457200" rtl="0">
+              <a:spcBef>
+                <a:spcPts val="0"/>
+              </a:spcBef>
+              <a:spcAft>
+                <a:spcPts val="0"/>
+              </a:spcAft>
+              <a:buSzPts val="1800"/>
+              <a:buChar char="●"/>
+            </a:pPr>
+            <a:r>
+              <a:rPr lang="en"/>
+              <a:t>Programming object models (</a:t>
+            </a:r>
+            <a:r>
+              <a:rPr lang="en">
+                <a:latin typeface="Consolas"/>
+                <a:ea typeface="Consolas"/>
+                <a:cs typeface="Consolas"/>
+                <a:sym typeface="Consolas"/>
+              </a:rPr>
+              <a:t>objCustomer</a:t>
+            </a:r>
+            <a:r>
+              <a:rPr lang="en"/>
+              <a:t>)</a:t>
+            </a:r>
+            <a:endParaRPr/>
+          </a:p>
+          <a:p>
+            <a:pPr indent="-342900" lvl="0" marL="457200" rtl="0">
+              <a:spcBef>
+                <a:spcPts val="0"/>
+              </a:spcBef>
+              <a:spcAft>
+                <a:spcPts val="0"/>
+              </a:spcAft>
+              <a:buSzPts val="1800"/>
+              <a:buChar char="●"/>
+            </a:pPr>
+            <a:r>
+              <a:rPr lang="en"/>
+              <a:t>Inside is local, controllable</a:t>
+            </a:r>
+            <a:endParaRPr/>
+          </a:p>
+          <a:p>
+            <a:pPr indent="-342900" lvl="0" marL="457200" rtl="0">
+              <a:spcBef>
+                <a:spcPts val="0"/>
+              </a:spcBef>
+              <a:spcAft>
+                <a:spcPts val="0"/>
+              </a:spcAft>
+              <a:buSzPts val="1800"/>
+              <a:buChar char="●"/>
+            </a:pPr>
+            <a:r>
+              <a:rPr lang="en"/>
+              <a:t>Inside relies on a shared "now"</a:t>
             </a:r>
             <a:endParaRPr/>
           </a:p>
         </p:txBody>
       </p:sp>
+      <p:pic>
+        <p:nvPicPr>
+          <p:cNvPr id="221" name="Shape 221"/>
+          <p:cNvPicPr preferRelativeResize="0"/>
+          <p:nvPr/>
+        </p:nvPicPr>
+        <p:blipFill rotWithShape="1">
+          <a:blip r:embed="rId3">
+            <a:alphaModFix/>
+          </a:blip>
+          <a:srcRect b="11847" l="0" r="0" t="0"/>
+          <a:stretch/>
+        </p:blipFill>
+        <p:spPr>
+          <a:xfrm>
+            <a:off x="6211125" y="1152475"/>
+            <a:ext cx="2748300" cy="1574400"/>
+          </a:xfrm>
+          <a:prstGeom prst="rect">
+            <a:avLst/>
+          </a:prstGeom>
+          <a:noFill/>
+          <a:ln cap="flat" cmpd="sng" w="9525">
+            <a:solidFill>
+              <a:srgbClr val="000000"/>
+            </a:solidFill>
+            <a:prstDash val="solid"/>
+            <a:round/>
+            <a:headEnd len="med" w="med" type="none"/>
+            <a:tailEnd len="med" w="med" type="none"/>
+          </a:ln>
+        </p:spPr>
+      </p:pic>
     </p:spTree>
   </p:cSld>
   <p:clrMapOvr>
@@ -15337,7 +15773,7 @@
   <p:cSld>
     <p:spTree>
       <p:nvGrpSpPr>
-        <p:cNvPr id="224" name="Shape 224"/>
+        <p:cNvPr id="225" name="Shape 225"/>
         <p:cNvGrpSpPr/>
         <p:nvPr/>
       </p:nvGrpSpPr>
@@ -15351,7 +15787,7 @@
       </p:grpSpPr>
       <p:sp>
         <p:nvSpPr>
-          <p:cNvPr id="225" name="Shape 225"/>
+          <p:cNvPr id="226" name="Shape 226"/>
           <p:cNvSpPr txBox="1"/>
           <p:nvPr>
             <p:ph type="title"/>
@@ -15383,7 +15819,7 @@
             </a:pPr>
             <a:r>
               <a:rPr lang="en"/>
-              <a:t>Design Exercise</a:t>
+              <a:t>Messages on the Outside</a:t>
             </a:r>
             <a:endParaRPr/>
           </a:p>
@@ -15391,7 +15827,7 @@
       </p:sp>
       <p:sp>
         <p:nvSpPr>
-          <p:cNvPr id="226" name="Shape 226"/>
+          <p:cNvPr id="227" name="Shape 227"/>
           <p:cNvSpPr txBox="1"/>
           <p:nvPr>
             <p:ph idx="1" type="body"/>
@@ -15412,22 +15848,155 @@
           </a:bodyPr>
           <a:lstStyle/>
           <a:p>
-            <a:pPr indent="0" lvl="0" marL="0">
-              <a:spcBef>
-                <a:spcPts val="0"/>
-              </a:spcBef>
-              <a:spcAft>
-                <a:spcPts val="1600"/>
-              </a:spcAft>
-              <a:buNone/>
-            </a:pPr>
-            <a:r>
-              <a:t/>
+            <a:pPr indent="-342900" lvl="0" marL="457200" rtl="0">
+              <a:spcBef>
+                <a:spcPts val="0"/>
+              </a:spcBef>
+              <a:spcAft>
+                <a:spcPts val="0"/>
+              </a:spcAft>
+              <a:buSzPts val="1800"/>
+              <a:buChar char="●"/>
+            </a:pPr>
+            <a:r>
+              <a:rPr lang="en"/>
+              <a:t>Outside is always in the past, non-transactional</a:t>
+            </a:r>
+            <a:endParaRPr/>
+          </a:p>
+          <a:p>
+            <a:pPr indent="-342900" lvl="0" marL="457200" rtl="0">
+              <a:spcBef>
+                <a:spcPts val="0"/>
+              </a:spcBef>
+              <a:spcAft>
+                <a:spcPts val="0"/>
+              </a:spcAft>
+              <a:buSzPts val="1800"/>
+              <a:buChar char="●"/>
+            </a:pPr>
+            <a:r>
+              <a:rPr lang="en"/>
+              <a:t>Resource models (</a:t>
+            </a:r>
+            <a:r>
+              <a:rPr lang="en">
+                <a:latin typeface="Consolas"/>
+                <a:ea typeface="Consolas"/>
+                <a:cs typeface="Consolas"/>
+                <a:sym typeface="Consolas"/>
+              </a:rPr>
+              <a:t>/customers/, /orders/</a:t>
+            </a:r>
+            <a:r>
+              <a:rPr lang="en"/>
+              <a:t>)</a:t>
+            </a:r>
+            <a:endParaRPr/>
+          </a:p>
+          <a:p>
+            <a:pPr indent="-342900" lvl="0" marL="457200" rtl="0">
+              <a:spcBef>
+                <a:spcPts val="0"/>
+              </a:spcBef>
+              <a:spcAft>
+                <a:spcPts val="0"/>
+              </a:spcAft>
+              <a:buSzPts val="1800"/>
+              <a:buChar char="●"/>
+            </a:pPr>
+            <a:r>
+              <a:rPr lang="en"/>
+              <a:t>Message models (</a:t>
+            </a:r>
+            <a:r>
+              <a:rPr lang="en">
+                <a:latin typeface="Consolas"/>
+                <a:ea typeface="Consolas"/>
+                <a:cs typeface="Consolas"/>
+                <a:sym typeface="Consolas"/>
+              </a:rPr>
+              <a:t>customer.html, order.hal</a:t>
+            </a:r>
+            <a:r>
+              <a:rPr lang="en"/>
+              <a:t>)</a:t>
+            </a:r>
+            <a:endParaRPr/>
+          </a:p>
+          <a:p>
+            <a:pPr indent="-342900" lvl="0" marL="457200" rtl="0">
+              <a:spcBef>
+                <a:spcPts val="0"/>
+              </a:spcBef>
+              <a:spcAft>
+                <a:spcPts val="0"/>
+              </a:spcAft>
+              <a:buSzPts val="1800"/>
+              <a:buChar char="●"/>
+            </a:pPr>
+            <a:r>
+              <a:rPr lang="en"/>
+              <a:t>Outside is remote, </a:t>
+            </a:r>
+            <a:r>
+              <a:rPr lang="en"/>
+              <a:t>uncontrollable</a:t>
+            </a:r>
+            <a:endParaRPr/>
+          </a:p>
+          <a:p>
+            <a:pPr indent="-342900" lvl="0" marL="457200">
+              <a:spcBef>
+                <a:spcPts val="0"/>
+              </a:spcBef>
+              <a:spcAft>
+                <a:spcPts val="0"/>
+              </a:spcAft>
+              <a:buSzPts val="1800"/>
+              <a:buChar char="●"/>
+            </a:pPr>
+            <a:r>
+              <a:rPr lang="en"/>
+              <a:t>There is no shared "now"</a:t>
             </a:r>
             <a:endParaRPr/>
           </a:p>
         </p:txBody>
       </p:sp>
+      <p:pic>
+        <p:nvPicPr>
+          <p:cNvPr id="228" name="Shape 228"/>
+          <p:cNvPicPr preferRelativeResize="0"/>
+          <p:nvPr/>
+        </p:nvPicPr>
+        <p:blipFill rotWithShape="1">
+          <a:blip r:embed="rId3">
+            <a:alphaModFix/>
+          </a:blip>
+          <a:srcRect b="11847" l="0" r="0" t="0"/>
+          <a:stretch/>
+        </p:blipFill>
+        <p:spPr>
+          <a:xfrm>
+            <a:off x="6211125" y="1152475"/>
+            <a:ext cx="2748300" cy="1574400"/>
+          </a:xfrm>
+          <a:prstGeom prst="rect">
+            <a:avLst/>
+          </a:prstGeom>
+          <a:noFill/>
+          <a:ln cap="flat" cmpd="sng" w="9525">
+            <a:solidFill>
+              <a:srgbClr val="000000"/>
+            </a:solidFill>
+            <a:prstDash val="solid"/>
+            <a:round/>
+            <a:headEnd len="med" w="med" type="none"/>
+            <a:tailEnd len="med" w="med" type="none"/>
+          </a:ln>
+        </p:spPr>
+      </p:pic>
     </p:spTree>
   </p:cSld>
   <p:clrMapOvr>
@@ -15441,7 +16010,7 @@
   <p:cSld>
     <p:spTree>
       <p:nvGrpSpPr>
-        <p:cNvPr id="230" name="Shape 230"/>
+        <p:cNvPr id="232" name="Shape 232"/>
         <p:cNvGrpSpPr/>
         <p:nvPr/>
       </p:nvGrpSpPr>
@@ -15455,7 +16024,7 @@
       </p:grpSpPr>
       <p:sp>
         <p:nvSpPr>
-          <p:cNvPr id="231" name="Shape 231"/>
+          <p:cNvPr id="233" name="Shape 233"/>
           <p:cNvSpPr txBox="1"/>
           <p:nvPr>
             <p:ph type="title"/>
@@ -15486,10 +16055,10 @@
               <a:buNone/>
             </a:pPr>
             <a:r>
-              <a:rPr lang="en"/>
-              <a:t>BREAK</a:t>
-            </a:r>
-            <a:endParaRPr/>
+              <a:rPr i="1" lang="en" sz="2400"/>
+              <a:t>If the models are different inside and out, what is shared?</a:t>
+            </a:r>
+            <a:endParaRPr i="1" sz="2400"/>
           </a:p>
         </p:txBody>
       </p:sp>
@@ -15506,7 +16075,7 @@
   <p:cSld>
     <p:spTree>
       <p:nvGrpSpPr>
-        <p:cNvPr id="235" name="Shape 235"/>
+        <p:cNvPr id="237" name="Shape 237"/>
         <p:cNvGrpSpPr/>
         <p:nvPr/>
       </p:nvGrpSpPr>
@@ -15520,7 +16089,7 @@
       </p:grpSpPr>
       <p:sp>
         <p:nvSpPr>
-          <p:cNvPr id="236" name="Shape 236"/>
+          <p:cNvPr id="238" name="Shape 238"/>
           <p:cNvSpPr txBox="1"/>
           <p:nvPr>
             <p:ph type="title"/>
@@ -15528,15 +16097,15 @@
         </p:nvSpPr>
         <p:spPr>
           <a:xfrm>
-            <a:off x="311700" y="2150850"/>
-            <a:ext cx="8520600" cy="841800"/>
+            <a:off x="311700" y="445025"/>
+            <a:ext cx="8520600" cy="572700"/>
           </a:xfrm>
           <a:prstGeom prst="rect">
             <a:avLst/>
           </a:prstGeom>
         </p:spPr>
         <p:txBody>
-          <a:bodyPr anchorCtr="0" anchor="ctr" bIns="91425" lIns="91425" spcFirstLastPara="1" rIns="91425" wrap="square" tIns="91425">
+          <a:bodyPr anchorCtr="0" anchor="t" bIns="91425" lIns="91425" spcFirstLastPara="1" rIns="91425" wrap="square" tIns="91425">
             <a:noAutofit/>
           </a:bodyPr>
           <a:lstStyle/>
@@ -15552,12 +16121,242 @@
             </a:pPr>
             <a:r>
               <a:rPr lang="en"/>
-              <a:t>Runtime Service Infrastructure</a:t>
+              <a:t>Vocabularies Everywhere</a:t>
             </a:r>
             <a:endParaRPr/>
           </a:p>
         </p:txBody>
       </p:sp>
+      <p:sp>
+        <p:nvSpPr>
+          <p:cNvPr id="239" name="Shape 239"/>
+          <p:cNvSpPr txBox="1"/>
+          <p:nvPr>
+            <p:ph idx="1" type="body"/>
+          </p:nvPr>
+        </p:nvSpPr>
+        <p:spPr>
+          <a:xfrm>
+            <a:off x="469025" y="1152475"/>
+            <a:ext cx="8363400" cy="3416400"/>
+          </a:xfrm>
+          <a:prstGeom prst="rect">
+            <a:avLst/>
+          </a:prstGeom>
+        </p:spPr>
+        <p:txBody>
+          <a:bodyPr anchorCtr="0" anchor="t" bIns="91425" lIns="91425" spcFirstLastPara="1" rIns="91425" wrap="square" tIns="91425">
+            <a:noAutofit/>
+          </a:bodyPr>
+          <a:lstStyle/>
+          <a:p>
+            <a:pPr indent="-342900" lvl="0" marL="457200" rtl="0">
+              <a:spcBef>
+                <a:spcPts val="0"/>
+              </a:spcBef>
+              <a:spcAft>
+                <a:spcPts val="0"/>
+              </a:spcAft>
+              <a:buSzPts val="1800"/>
+              <a:buChar char="●"/>
+            </a:pPr>
+            <a:r>
+              <a:rPr lang="en"/>
+              <a:t>Vocabulary is how humans share (language, slang, etc.)</a:t>
+            </a:r>
+            <a:endParaRPr/>
+          </a:p>
+          <a:p>
+            <a:pPr indent="-342900" lvl="0" marL="457200" rtl="0">
+              <a:spcBef>
+                <a:spcPts val="0"/>
+              </a:spcBef>
+              <a:spcAft>
+                <a:spcPts val="0"/>
+              </a:spcAft>
+              <a:buSzPts val="1800"/>
+              <a:buChar char="●"/>
+            </a:pPr>
+            <a:r>
+              <a:rPr lang="en"/>
+              <a:t>We use the same vocabulary for many models</a:t>
+            </a:r>
+            <a:endParaRPr/>
+          </a:p>
+          <a:p>
+            <a:pPr indent="-342900" lvl="0" marL="457200" rtl="0">
+              <a:spcBef>
+                <a:spcPts val="0"/>
+              </a:spcBef>
+              <a:spcAft>
+                <a:spcPts val="0"/>
+              </a:spcAft>
+              <a:buSzPts val="1800"/>
+              <a:buChar char="●"/>
+            </a:pPr>
+            <a:r>
+              <a:rPr lang="en"/>
+              <a:t>Vocabularies </a:t>
+            </a:r>
+            <a:r>
+              <a:rPr lang="en"/>
+              <a:t>delineate</a:t>
+            </a:r>
+            <a:r>
+              <a:rPr lang="en"/>
+              <a:t> domains (medicine, IT, etc.)</a:t>
+            </a:r>
+            <a:endParaRPr/>
+          </a:p>
+          <a:p>
+            <a:pPr indent="-342900" lvl="0" marL="457200" rtl="0">
+              <a:spcBef>
+                <a:spcPts val="0"/>
+              </a:spcBef>
+              <a:spcAft>
+                <a:spcPts val="0"/>
+              </a:spcAft>
+              <a:buSzPts val="1800"/>
+              <a:buChar char="●"/>
+            </a:pPr>
+            <a:r>
+              <a:rPr lang="en"/>
+              <a:t>IT vocabularies already exist:</a:t>
+            </a:r>
+            <a:endParaRPr/>
+          </a:p>
+          <a:p>
+            <a:pPr indent="-317500" lvl="1" marL="914400" rtl="0">
+              <a:spcBef>
+                <a:spcPts val="0"/>
+              </a:spcBef>
+              <a:spcAft>
+                <a:spcPts val="0"/>
+              </a:spcAft>
+              <a:buSzPts val="1400"/>
+              <a:buChar char="○"/>
+            </a:pPr>
+            <a:r>
+              <a:rPr lang="en"/>
+              <a:t>Dublin Core</a:t>
+            </a:r>
+            <a:endParaRPr/>
+          </a:p>
+          <a:p>
+            <a:pPr indent="-317500" lvl="1" marL="914400" rtl="0">
+              <a:spcBef>
+                <a:spcPts val="0"/>
+              </a:spcBef>
+              <a:spcAft>
+                <a:spcPts val="0"/>
+              </a:spcAft>
+              <a:buSzPts val="1400"/>
+              <a:buChar char="○"/>
+            </a:pPr>
+            <a:r>
+              <a:rPr lang="en"/>
+              <a:t>s</a:t>
+            </a:r>
+            <a:r>
+              <a:rPr lang="en"/>
+              <a:t>chema.org </a:t>
+            </a:r>
+            <a:endParaRPr/>
+          </a:p>
+          <a:p>
+            <a:pPr indent="-317500" lvl="1" marL="914400" rtl="0">
+              <a:spcBef>
+                <a:spcPts val="0"/>
+              </a:spcBef>
+              <a:spcAft>
+                <a:spcPts val="0"/>
+              </a:spcAft>
+              <a:buSzPts val="1400"/>
+              <a:buChar char="○"/>
+            </a:pPr>
+            <a:r>
+              <a:rPr lang="en"/>
+              <a:t>microformats</a:t>
+            </a:r>
+            <a:endParaRPr/>
+          </a:p>
+          <a:p>
+            <a:pPr indent="-317500" lvl="1" marL="914400" rtl="0">
+              <a:spcBef>
+                <a:spcPts val="0"/>
+              </a:spcBef>
+              <a:spcAft>
+                <a:spcPts val="0"/>
+              </a:spcAft>
+              <a:buSzPts val="1400"/>
+              <a:buChar char="○"/>
+            </a:pPr>
+            <a:r>
+              <a:rPr lang="en"/>
+              <a:t>IANA Link Relation Values</a:t>
+            </a:r>
+            <a:endParaRPr/>
+          </a:p>
+          <a:p>
+            <a:pPr indent="-342900" lvl="0" marL="457200" rtl="0">
+              <a:spcBef>
+                <a:spcPts val="0"/>
+              </a:spcBef>
+              <a:spcAft>
+                <a:spcPts val="0"/>
+              </a:spcAft>
+              <a:buSzPts val="1800"/>
+              <a:buChar char="●"/>
+            </a:pPr>
+            <a:r>
+              <a:rPr lang="en"/>
+              <a:t>ALPS is a media-type and protocol independent </a:t>
+            </a:r>
+            <a:br>
+              <a:rPr lang="en"/>
+            </a:br>
+            <a:r>
+              <a:rPr lang="en"/>
+              <a:t>description format</a:t>
+            </a:r>
+            <a:endParaRPr/>
+          </a:p>
+        </p:txBody>
+      </p:sp>
+      <p:pic>
+        <p:nvPicPr>
+          <p:cNvPr id="240" name="Shape 240"/>
+          <p:cNvPicPr preferRelativeResize="0"/>
+          <p:nvPr/>
+        </p:nvPicPr>
+        <p:blipFill>
+          <a:blip r:embed="rId3">
+            <a:alphaModFix/>
+          </a:blip>
+          <a:stretch>
+            <a:fillRect/>
+          </a:stretch>
+        </p:blipFill>
+        <p:spPr>
+          <a:xfrm>
+            <a:off x="6764374" y="1097075"/>
+            <a:ext cx="2107675" cy="2611525"/>
+          </a:xfrm>
+          <a:prstGeom prst="rect">
+            <a:avLst/>
+          </a:prstGeom>
+          <a:noFill/>
+          <a:ln cap="flat" cmpd="sng" w="9525">
+            <a:solidFill>
+              <a:schemeClr val="dk2"/>
+            </a:solidFill>
+            <a:prstDash val="solid"/>
+            <a:round/>
+            <a:headEnd len="med" w="med" type="none"/>
+            <a:tailEnd len="med" w="med" type="none"/>
+          </a:ln>
+        </p:spPr>
+      </p:pic>
     </p:spTree>
   </p:cSld>
   <p:clrMapOvr>
@@ -15762,7 +16561,7 @@
   <p:cSld>
     <p:spTree>
       <p:nvGrpSpPr>
-        <p:cNvPr id="240" name="Shape 240"/>
+        <p:cNvPr id="244" name="Shape 244"/>
         <p:cNvGrpSpPr/>
         <p:nvPr/>
       </p:nvGrpSpPr>
@@ -15776,7 +16575,7 @@
       </p:grpSpPr>
       <p:sp>
         <p:nvSpPr>
-          <p:cNvPr id="241" name="Shape 241"/>
+          <p:cNvPr id="245" name="Shape 245"/>
           <p:cNvSpPr txBox="1"/>
           <p:nvPr>
             <p:ph type="title"/>
@@ -15808,15 +16607,249 @@
             </a:pPr>
             <a:r>
               <a:rPr lang="en"/>
+              <a:t>Design Exercise</a:t>
+            </a:r>
+            <a:endParaRPr/>
+          </a:p>
+        </p:txBody>
+      </p:sp>
+      <p:sp>
+        <p:nvSpPr>
+          <p:cNvPr id="246" name="Shape 246"/>
+          <p:cNvSpPr txBox="1"/>
+          <p:nvPr>
+            <p:ph idx="1" type="body"/>
+          </p:nvPr>
+        </p:nvSpPr>
+        <p:spPr>
+          <a:xfrm>
+            <a:off x="311700" y="1152475"/>
+            <a:ext cx="8520600" cy="3416400"/>
+          </a:xfrm>
+          <a:prstGeom prst="rect">
+            <a:avLst/>
+          </a:prstGeom>
+        </p:spPr>
+        <p:txBody>
+          <a:bodyPr anchorCtr="0" anchor="t" bIns="91425" lIns="91425" spcFirstLastPara="1" rIns="91425" wrap="square" tIns="91425">
+            <a:noAutofit/>
+          </a:bodyPr>
+          <a:lstStyle/>
+          <a:p>
+            <a:pPr indent="0" lvl="0" marL="0">
+              <a:spcBef>
+                <a:spcPts val="0"/>
+              </a:spcBef>
+              <a:spcAft>
+                <a:spcPts val="1600"/>
+              </a:spcAft>
+              <a:buNone/>
+            </a:pPr>
+            <a:r>
+              <a:t/>
+            </a:r>
+            <a:endParaRPr/>
+          </a:p>
+        </p:txBody>
+      </p:sp>
+    </p:spTree>
+  </p:cSld>
+  <p:clrMapOvr>
+    <a:masterClrMapping/>
+  </p:clrMapOvr>
+</p:sld>
+</file>
+
+<file path=ppt/slides/slide31.xml><?xml version="1.0" encoding="utf-8"?>
+<p:sld xmlns:a="http://schemas.openxmlformats.org/drawingml/2006/main" xmlns:r="http://schemas.openxmlformats.org/officeDocument/2006/relationships" xmlns:mc="http://schemas.openxmlformats.org/markup-compatibility/2006" xmlns:mv="urn:schemas-microsoft-com:mac:vml" xmlns:p="http://schemas.openxmlformats.org/presentationml/2006/main" xmlns:c="http://schemas.openxmlformats.org/drawingml/2006/chart" xmlns:dgm="http://schemas.openxmlformats.org/drawingml/2006/diagram" xmlns:o="urn:schemas-microsoft-com:office:office" xmlns:v="urn:schemas-microsoft-com:vml" xmlns:pvml="urn:schemas-microsoft-com:office:powerpoint" xmlns:com="http://schemas.openxmlformats.org/drawingml/2006/compatibility" xmlns:p14="http://schemas.microsoft.com/office/powerpoint/2010/main" xmlns:p15="http://schemas.microsoft.com/office/powerpoint/2012/main">
+  <p:cSld>
+    <p:spTree>
+      <p:nvGrpSpPr>
+        <p:cNvPr id="250" name="Shape 250"/>
+        <p:cNvGrpSpPr/>
+        <p:nvPr/>
+      </p:nvGrpSpPr>
+      <p:grpSpPr>
+        <a:xfrm>
+          <a:off x="0" y="0"/>
+          <a:ext cx="0" cy="0"/>
+          <a:chOff x="0" y="0"/>
+          <a:chExt cx="0" cy="0"/>
+        </a:xfrm>
+      </p:grpSpPr>
+      <p:sp>
+        <p:nvSpPr>
+          <p:cNvPr id="251" name="Shape 251"/>
+          <p:cNvSpPr txBox="1"/>
+          <p:nvPr>
+            <p:ph type="title"/>
+          </p:nvPr>
+        </p:nvSpPr>
+        <p:spPr>
+          <a:xfrm>
+            <a:off x="311700" y="2150850"/>
+            <a:ext cx="8520600" cy="841800"/>
+          </a:xfrm>
+          <a:prstGeom prst="rect">
+            <a:avLst/>
+          </a:prstGeom>
+        </p:spPr>
+        <p:txBody>
+          <a:bodyPr anchorCtr="0" anchor="ctr" bIns="91425" lIns="91425" spcFirstLastPara="1" rIns="91425" wrap="square" tIns="91425">
+            <a:noAutofit/>
+          </a:bodyPr>
+          <a:lstStyle/>
+          <a:p>
+            <a:pPr indent="0" lvl="0" marL="0">
+              <a:spcBef>
+                <a:spcPts val="0"/>
+              </a:spcBef>
+              <a:spcAft>
+                <a:spcPts val="0"/>
+              </a:spcAft>
+              <a:buNone/>
+            </a:pPr>
+            <a:r>
+              <a:rPr lang="en"/>
+              <a:t>BREAK</a:t>
+            </a:r>
+            <a:endParaRPr/>
+          </a:p>
+        </p:txBody>
+      </p:sp>
+    </p:spTree>
+  </p:cSld>
+  <p:clrMapOvr>
+    <a:masterClrMapping/>
+  </p:clrMapOvr>
+</p:sld>
+</file>
+
+<file path=ppt/slides/slide32.xml><?xml version="1.0" encoding="utf-8"?>
+<p:sld xmlns:a="http://schemas.openxmlformats.org/drawingml/2006/main" xmlns:r="http://schemas.openxmlformats.org/officeDocument/2006/relationships" xmlns:mc="http://schemas.openxmlformats.org/markup-compatibility/2006" xmlns:mv="urn:schemas-microsoft-com:mac:vml" xmlns:p="http://schemas.openxmlformats.org/presentationml/2006/main" xmlns:c="http://schemas.openxmlformats.org/drawingml/2006/chart" xmlns:dgm="http://schemas.openxmlformats.org/drawingml/2006/diagram" xmlns:o="urn:schemas-microsoft-com:office:office" xmlns:v="urn:schemas-microsoft-com:vml" xmlns:pvml="urn:schemas-microsoft-com:office:powerpoint" xmlns:com="http://schemas.openxmlformats.org/drawingml/2006/compatibility" xmlns:p14="http://schemas.microsoft.com/office/powerpoint/2010/main" xmlns:p15="http://schemas.microsoft.com/office/powerpoint/2012/main">
+  <p:cSld>
+    <p:spTree>
+      <p:nvGrpSpPr>
+        <p:cNvPr id="255" name="Shape 255"/>
+        <p:cNvGrpSpPr/>
+        <p:nvPr/>
+      </p:nvGrpSpPr>
+      <p:grpSpPr>
+        <a:xfrm>
+          <a:off x="0" y="0"/>
+          <a:ext cx="0" cy="0"/>
+          <a:chOff x="0" y="0"/>
+          <a:chExt cx="0" cy="0"/>
+        </a:xfrm>
+      </p:grpSpPr>
+      <p:sp>
+        <p:nvSpPr>
+          <p:cNvPr id="256" name="Shape 256"/>
+          <p:cNvSpPr txBox="1"/>
+          <p:nvPr>
+            <p:ph type="title"/>
+          </p:nvPr>
+        </p:nvSpPr>
+        <p:spPr>
+          <a:xfrm>
+            <a:off x="311700" y="2150850"/>
+            <a:ext cx="8520600" cy="841800"/>
+          </a:xfrm>
+          <a:prstGeom prst="rect">
+            <a:avLst/>
+          </a:prstGeom>
+        </p:spPr>
+        <p:txBody>
+          <a:bodyPr anchorCtr="0" anchor="ctr" bIns="91425" lIns="91425" spcFirstLastPara="1" rIns="91425" wrap="square" tIns="91425">
+            <a:noAutofit/>
+          </a:bodyPr>
+          <a:lstStyle/>
+          <a:p>
+            <a:pPr indent="0" lvl="0" marL="0">
+              <a:spcBef>
+                <a:spcPts val="0"/>
+              </a:spcBef>
+              <a:spcAft>
+                <a:spcPts val="0"/>
+              </a:spcAft>
+              <a:buNone/>
+            </a:pPr>
+            <a:r>
+              <a:rPr lang="en"/>
               <a:t>Runtime Service Infrastructure</a:t>
             </a:r>
             <a:endParaRPr/>
           </a:p>
         </p:txBody>
       </p:sp>
-      <p:sp>
-        <p:nvSpPr>
-          <p:cNvPr id="242" name="Shape 242"/>
+    </p:spTree>
+  </p:cSld>
+  <p:clrMapOvr>
+    <a:masterClrMapping/>
+  </p:clrMapOvr>
+</p:sld>
+</file>
+
+<file path=ppt/slides/slide33.xml><?xml version="1.0" encoding="utf-8"?>
+<p:sld xmlns:a="http://schemas.openxmlformats.org/drawingml/2006/main" xmlns:r="http://schemas.openxmlformats.org/officeDocument/2006/relationships" xmlns:mc="http://schemas.openxmlformats.org/markup-compatibility/2006" xmlns:mv="urn:schemas-microsoft-com:mac:vml" xmlns:p="http://schemas.openxmlformats.org/presentationml/2006/main" xmlns:c="http://schemas.openxmlformats.org/drawingml/2006/chart" xmlns:dgm="http://schemas.openxmlformats.org/drawingml/2006/diagram" xmlns:o="urn:schemas-microsoft-com:office:office" xmlns:v="urn:schemas-microsoft-com:vml" xmlns:pvml="urn:schemas-microsoft-com:office:powerpoint" xmlns:com="http://schemas.openxmlformats.org/drawingml/2006/compatibility" xmlns:p14="http://schemas.microsoft.com/office/powerpoint/2010/main" xmlns:p15="http://schemas.microsoft.com/office/powerpoint/2012/main">
+  <p:cSld>
+    <p:spTree>
+      <p:nvGrpSpPr>
+        <p:cNvPr id="260" name="Shape 260"/>
+        <p:cNvGrpSpPr/>
+        <p:nvPr/>
+      </p:nvGrpSpPr>
+      <p:grpSpPr>
+        <a:xfrm>
+          <a:off x="0" y="0"/>
+          <a:ext cx="0" cy="0"/>
+          <a:chOff x="0" y="0"/>
+          <a:chExt cx="0" cy="0"/>
+        </a:xfrm>
+      </p:grpSpPr>
+      <p:sp>
+        <p:nvSpPr>
+          <p:cNvPr id="261" name="Shape 261"/>
+          <p:cNvSpPr txBox="1"/>
+          <p:nvPr>
+            <p:ph type="title"/>
+          </p:nvPr>
+        </p:nvSpPr>
+        <p:spPr>
+          <a:xfrm>
+            <a:off x="311700" y="445025"/>
+            <a:ext cx="8520600" cy="572700"/>
+          </a:xfrm>
+          <a:prstGeom prst="rect">
+            <a:avLst/>
+          </a:prstGeom>
+        </p:spPr>
+        <p:txBody>
+          <a:bodyPr anchorCtr="0" anchor="t" bIns="91425" lIns="91425" spcFirstLastPara="1" rIns="91425" wrap="square" tIns="91425">
+            <a:noAutofit/>
+          </a:bodyPr>
+          <a:lstStyle/>
+          <a:p>
+            <a:pPr indent="0" lvl="0" marL="0">
+              <a:spcBef>
+                <a:spcPts val="0"/>
+              </a:spcBef>
+              <a:spcAft>
+                <a:spcPts val="0"/>
+              </a:spcAft>
+              <a:buNone/>
+            </a:pPr>
+            <a:r>
+              <a:rPr lang="en"/>
+              <a:t>Runtime Service Infrastructure</a:t>
+            </a:r>
+            <a:endParaRPr/>
+          </a:p>
+        </p:txBody>
+      </p:sp>
+      <p:sp>
+        <p:nvSpPr>
+          <p:cNvPr id="262" name="Shape 262"/>
           <p:cNvSpPr txBox="1"/>
           <p:nvPr>
             <p:ph idx="1" type="body"/>
@@ -15945,7 +16978,7 @@
                                           </p:stCondLst>
                                         </p:cTn>
                                         <p:tgtEl>
-                                          <p:spTgt spid="242">
+                                          <p:spTgt spid="262">
                                             <p:txEl>
                                               <p:pRg end="0" st="0"/>
                                             </p:txEl>
@@ -15963,7 +16996,7 @@
                                       <p:cBhvr>
                                         <p:cTn dur="1000"/>
                                         <p:tgtEl>
-                                          <p:spTgt spid="242">
+                                          <p:spTgt spid="262">
                                             <p:txEl>
                                               <p:pRg end="0" st="0"/>
                                             </p:txEl>
@@ -16006,7 +17039,7 @@
                                           </p:stCondLst>
                                         </p:cTn>
                                         <p:tgtEl>
-                                          <p:spTgt spid="242">
+                                          <p:spTgt spid="262">
                                             <p:txEl>
                                               <p:pRg end="1" st="1"/>
                                             </p:txEl>
@@ -16024,7 +17057,7 @@
                                       <p:cBhvr>
                                         <p:cTn dur="1000"/>
                                         <p:tgtEl>
-                                          <p:spTgt spid="242">
+                                          <p:spTgt spid="262">
                                             <p:txEl>
                                               <p:pRg end="1" st="1"/>
                                             </p:txEl>
@@ -16067,7 +17100,7 @@
                                           </p:stCondLst>
                                         </p:cTn>
                                         <p:tgtEl>
-                                          <p:spTgt spid="242">
+                                          <p:spTgt spid="262">
                                             <p:txEl>
                                               <p:pRg end="2" st="2"/>
                                             </p:txEl>
@@ -16085,7 +17118,7 @@
                                       <p:cBhvr>
                                         <p:cTn dur="1000"/>
                                         <p:tgtEl>
-                                          <p:spTgt spid="242">
+                                          <p:spTgt spid="262">
                                             <p:txEl>
                                               <p:pRg end="2" st="2"/>
                                             </p:txEl>
@@ -16128,7 +17161,7 @@
                                           </p:stCondLst>
                                         </p:cTn>
                                         <p:tgtEl>
-                                          <p:spTgt spid="242">
+                                          <p:spTgt spid="262">
                                             <p:txEl>
                                               <p:pRg end="3" st="3"/>
                                             </p:txEl>
@@ -16146,7 +17179,7 @@
                                       <p:cBhvr>
                                         <p:cTn dur="1000"/>
                                         <p:tgtEl>
-                                          <p:spTgt spid="242">
+                                          <p:spTgt spid="262">
                                             <p:txEl>
                                               <p:pRg end="3" st="3"/>
                                             </p:txEl>
@@ -16188,12 +17221,12 @@
 </p:sld>
 </file>
 
-<file path=ppt/slides/slide31.xml><?xml version="1.0" encoding="utf-8"?>
+<file path=ppt/slides/slide34.xml><?xml version="1.0" encoding="utf-8"?>
 <p:sld xmlns:a="http://schemas.openxmlformats.org/drawingml/2006/main" xmlns:r="http://schemas.openxmlformats.org/officeDocument/2006/relationships" xmlns:mc="http://schemas.openxmlformats.org/markup-compatibility/2006" xmlns:mv="urn:schemas-microsoft-com:mac:vml" xmlns:p="http://schemas.openxmlformats.org/presentationml/2006/main" xmlns:c="http://schemas.openxmlformats.org/drawingml/2006/chart" xmlns:dgm="http://schemas.openxmlformats.org/drawingml/2006/diagram" xmlns:o="urn:schemas-microsoft-com:office:office" xmlns:v="urn:schemas-microsoft-com:vml" xmlns:pvml="urn:schemas-microsoft-com:office:powerpoint" xmlns:com="http://schemas.openxmlformats.org/drawingml/2006/compatibility" xmlns:p14="http://schemas.microsoft.com/office/powerpoint/2010/main" xmlns:p15="http://schemas.microsoft.com/office/powerpoint/2012/main">
   <p:cSld>
     <p:spTree>
       <p:nvGrpSpPr>
-        <p:cNvPr id="246" name="Shape 246"/>
+        <p:cNvPr id="266" name="Shape 266"/>
         <p:cNvGrpSpPr/>
         <p:nvPr/>
       </p:nvGrpSpPr>
@@ -16207,7 +17240,7 @@
       </p:grpSpPr>
       <p:sp>
         <p:nvSpPr>
-          <p:cNvPr id="247" name="Shape 247"/>
+          <p:cNvPr id="267" name="Shape 267"/>
           <p:cNvSpPr txBox="1"/>
           <p:nvPr>
             <p:ph type="title"/>
@@ -16247,319 +17280,7 @@
       </p:sp>
       <p:sp>
         <p:nvSpPr>
-          <p:cNvPr id="248" name="Shape 248"/>
-          <p:cNvSpPr txBox="1"/>
-          <p:nvPr>
-            <p:ph idx="1" type="body"/>
-          </p:nvPr>
-        </p:nvSpPr>
-        <p:spPr>
-          <a:xfrm>
-            <a:off x="311700" y="1152475"/>
-            <a:ext cx="8520600" cy="3416400"/>
-          </a:xfrm>
-          <a:prstGeom prst="rect">
-            <a:avLst/>
-          </a:prstGeom>
-        </p:spPr>
-        <p:txBody>
-          <a:bodyPr anchorCtr="0" anchor="t" bIns="91425" lIns="91425" spcFirstLastPara="1" rIns="91425" wrap="square" tIns="91425">
-            <a:noAutofit/>
-          </a:bodyPr>
-          <a:lstStyle/>
-          <a:p>
-            <a:pPr indent="0" lvl="0" marL="0">
-              <a:spcBef>
-                <a:spcPts val="0"/>
-              </a:spcBef>
-              <a:spcAft>
-                <a:spcPts val="1600"/>
-              </a:spcAft>
-              <a:buNone/>
-            </a:pPr>
-            <a:r>
-              <a:t/>
-            </a:r>
-            <a:endParaRPr/>
-          </a:p>
-        </p:txBody>
-      </p:sp>
-    </p:spTree>
-  </p:cSld>
-  <p:clrMapOvr>
-    <a:masterClrMapping/>
-  </p:clrMapOvr>
-</p:sld>
-</file>
-
-<file path=ppt/slides/slide32.xml><?xml version="1.0" encoding="utf-8"?>
-<p:sld xmlns:a="http://schemas.openxmlformats.org/drawingml/2006/main" xmlns:r="http://schemas.openxmlformats.org/officeDocument/2006/relationships" xmlns:mc="http://schemas.openxmlformats.org/markup-compatibility/2006" xmlns:mv="urn:schemas-microsoft-com:mac:vml" xmlns:p="http://schemas.openxmlformats.org/presentationml/2006/main" xmlns:c="http://schemas.openxmlformats.org/drawingml/2006/chart" xmlns:dgm="http://schemas.openxmlformats.org/drawingml/2006/diagram" xmlns:o="urn:schemas-microsoft-com:office:office" xmlns:v="urn:schemas-microsoft-com:vml" xmlns:pvml="urn:schemas-microsoft-com:office:powerpoint" xmlns:com="http://schemas.openxmlformats.org/drawingml/2006/compatibility" xmlns:p14="http://schemas.microsoft.com/office/powerpoint/2010/main" xmlns:p15="http://schemas.microsoft.com/office/powerpoint/2012/main">
-  <p:cSld>
-    <p:spTree>
-      <p:nvGrpSpPr>
-        <p:cNvPr id="252" name="Shape 252"/>
-        <p:cNvGrpSpPr/>
-        <p:nvPr/>
-      </p:nvGrpSpPr>
-      <p:grpSpPr>
-        <a:xfrm>
-          <a:off x="0" y="0"/>
-          <a:ext cx="0" cy="0"/>
-          <a:chOff x="0" y="0"/>
-          <a:chExt cx="0" cy="0"/>
-        </a:xfrm>
-      </p:grpSpPr>
-      <p:sp>
-        <p:nvSpPr>
-          <p:cNvPr id="253" name="Shape 253"/>
-          <p:cNvSpPr txBox="1"/>
-          <p:nvPr>
-            <p:ph type="title"/>
-          </p:nvPr>
-        </p:nvSpPr>
-        <p:spPr>
-          <a:xfrm>
-            <a:off x="311700" y="445025"/>
-            <a:ext cx="8520600" cy="572700"/>
-          </a:xfrm>
-          <a:prstGeom prst="rect">
-            <a:avLst/>
-          </a:prstGeom>
-        </p:spPr>
-        <p:txBody>
-          <a:bodyPr anchorCtr="0" anchor="t" bIns="91425" lIns="91425" spcFirstLastPara="1" rIns="91425" wrap="square" tIns="91425">
-            <a:noAutofit/>
-          </a:bodyPr>
-          <a:lstStyle/>
-          <a:p>
-            <a:pPr indent="0" lvl="0" marL="0">
-              <a:spcBef>
-                <a:spcPts val="0"/>
-              </a:spcBef>
-              <a:spcAft>
-                <a:spcPts val="0"/>
-              </a:spcAft>
-              <a:buNone/>
-            </a:pPr>
-            <a:r>
-              <a:rPr lang="en"/>
-              <a:t>Discovering Services</a:t>
-            </a:r>
-            <a:endParaRPr/>
-          </a:p>
-        </p:txBody>
-      </p:sp>
-      <p:sp>
-        <p:nvSpPr>
-          <p:cNvPr id="254" name="Shape 254"/>
-          <p:cNvSpPr txBox="1"/>
-          <p:nvPr>
-            <p:ph idx="1" type="body"/>
-          </p:nvPr>
-        </p:nvSpPr>
-        <p:spPr>
-          <a:xfrm>
-            <a:off x="311700" y="1152475"/>
-            <a:ext cx="8520600" cy="3416400"/>
-          </a:xfrm>
-          <a:prstGeom prst="rect">
-            <a:avLst/>
-          </a:prstGeom>
-        </p:spPr>
-        <p:txBody>
-          <a:bodyPr anchorCtr="0" anchor="t" bIns="91425" lIns="91425" spcFirstLastPara="1" rIns="91425" wrap="square" tIns="91425">
-            <a:noAutofit/>
-          </a:bodyPr>
-          <a:lstStyle/>
-          <a:p>
-            <a:pPr indent="0" lvl="0" marL="0">
-              <a:spcBef>
-                <a:spcPts val="0"/>
-              </a:spcBef>
-              <a:spcAft>
-                <a:spcPts val="1600"/>
-              </a:spcAft>
-              <a:buNone/>
-            </a:pPr>
-            <a:r>
-              <a:t/>
-            </a:r>
-            <a:endParaRPr/>
-          </a:p>
-        </p:txBody>
-      </p:sp>
-    </p:spTree>
-  </p:cSld>
-  <p:clrMapOvr>
-    <a:masterClrMapping/>
-  </p:clrMapOvr>
-</p:sld>
-</file>
-
-<file path=ppt/slides/slide33.xml><?xml version="1.0" encoding="utf-8"?>
-<p:sld xmlns:a="http://schemas.openxmlformats.org/drawingml/2006/main" xmlns:r="http://schemas.openxmlformats.org/officeDocument/2006/relationships" xmlns:mc="http://schemas.openxmlformats.org/markup-compatibility/2006" xmlns:mv="urn:schemas-microsoft-com:mac:vml" xmlns:p="http://schemas.openxmlformats.org/presentationml/2006/main" xmlns:c="http://schemas.openxmlformats.org/drawingml/2006/chart" xmlns:dgm="http://schemas.openxmlformats.org/drawingml/2006/diagram" xmlns:o="urn:schemas-microsoft-com:office:office" xmlns:v="urn:schemas-microsoft-com:vml" xmlns:pvml="urn:schemas-microsoft-com:office:powerpoint" xmlns:com="http://schemas.openxmlformats.org/drawingml/2006/compatibility" xmlns:p14="http://schemas.microsoft.com/office/powerpoint/2010/main" xmlns:p15="http://schemas.microsoft.com/office/powerpoint/2012/main">
-  <p:cSld>
-    <p:spTree>
-      <p:nvGrpSpPr>
-        <p:cNvPr id="258" name="Shape 258"/>
-        <p:cNvGrpSpPr/>
-        <p:nvPr/>
-      </p:nvGrpSpPr>
-      <p:grpSpPr>
-        <a:xfrm>
-          <a:off x="0" y="0"/>
-          <a:ext cx="0" cy="0"/>
-          <a:chOff x="0" y="0"/>
-          <a:chExt cx="0" cy="0"/>
-        </a:xfrm>
-      </p:grpSpPr>
-      <p:sp>
-        <p:nvSpPr>
-          <p:cNvPr id="259" name="Shape 259"/>
-          <p:cNvSpPr txBox="1"/>
-          <p:nvPr>
-            <p:ph type="title"/>
-          </p:nvPr>
-        </p:nvSpPr>
-        <p:spPr>
-          <a:xfrm>
-            <a:off x="311700" y="445025"/>
-            <a:ext cx="8520600" cy="572700"/>
-          </a:xfrm>
-          <a:prstGeom prst="rect">
-            <a:avLst/>
-          </a:prstGeom>
-        </p:spPr>
-        <p:txBody>
-          <a:bodyPr anchorCtr="0" anchor="t" bIns="91425" lIns="91425" spcFirstLastPara="1" rIns="91425" wrap="square" tIns="91425">
-            <a:noAutofit/>
-          </a:bodyPr>
-          <a:lstStyle/>
-          <a:p>
-            <a:pPr indent="0" lvl="0" marL="0">
-              <a:spcBef>
-                <a:spcPts val="0"/>
-              </a:spcBef>
-              <a:spcAft>
-                <a:spcPts val="0"/>
-              </a:spcAft>
-              <a:buNone/>
-            </a:pPr>
-            <a:r>
-              <a:rPr lang="en"/>
-              <a:t>Health Checking</a:t>
-            </a:r>
-            <a:endParaRPr/>
-          </a:p>
-        </p:txBody>
-      </p:sp>
-      <p:sp>
-        <p:nvSpPr>
-          <p:cNvPr id="260" name="Shape 260"/>
-          <p:cNvSpPr txBox="1"/>
-          <p:nvPr>
-            <p:ph idx="1" type="body"/>
-          </p:nvPr>
-        </p:nvSpPr>
-        <p:spPr>
-          <a:xfrm>
-            <a:off x="311700" y="1152475"/>
-            <a:ext cx="8520600" cy="3416400"/>
-          </a:xfrm>
-          <a:prstGeom prst="rect">
-            <a:avLst/>
-          </a:prstGeom>
-        </p:spPr>
-        <p:txBody>
-          <a:bodyPr anchorCtr="0" anchor="t" bIns="91425" lIns="91425" spcFirstLastPara="1" rIns="91425" wrap="square" tIns="91425">
-            <a:noAutofit/>
-          </a:bodyPr>
-          <a:lstStyle/>
-          <a:p>
-            <a:pPr indent="0" lvl="0" marL="0">
-              <a:spcBef>
-                <a:spcPts val="0"/>
-              </a:spcBef>
-              <a:spcAft>
-                <a:spcPts val="1600"/>
-              </a:spcAft>
-              <a:buNone/>
-            </a:pPr>
-            <a:r>
-              <a:t/>
-            </a:r>
-            <a:endParaRPr/>
-          </a:p>
-        </p:txBody>
-      </p:sp>
-    </p:spTree>
-  </p:cSld>
-  <p:clrMapOvr>
-    <a:masterClrMapping/>
-  </p:clrMapOvr>
-</p:sld>
-</file>
-
-<file path=ppt/slides/slide34.xml><?xml version="1.0" encoding="utf-8"?>
-<p:sld xmlns:a="http://schemas.openxmlformats.org/drawingml/2006/main" xmlns:r="http://schemas.openxmlformats.org/officeDocument/2006/relationships" xmlns:mc="http://schemas.openxmlformats.org/markup-compatibility/2006" xmlns:mv="urn:schemas-microsoft-com:mac:vml" xmlns:p="http://schemas.openxmlformats.org/presentationml/2006/main" xmlns:c="http://schemas.openxmlformats.org/drawingml/2006/chart" xmlns:dgm="http://schemas.openxmlformats.org/drawingml/2006/diagram" xmlns:o="urn:schemas-microsoft-com:office:office" xmlns:v="urn:schemas-microsoft-com:vml" xmlns:pvml="urn:schemas-microsoft-com:office:powerpoint" xmlns:com="http://schemas.openxmlformats.org/drawingml/2006/compatibility" xmlns:p14="http://schemas.microsoft.com/office/powerpoint/2010/main" xmlns:p15="http://schemas.microsoft.com/office/powerpoint/2012/main">
-  <p:cSld>
-    <p:spTree>
-      <p:nvGrpSpPr>
-        <p:cNvPr id="264" name="Shape 264"/>
-        <p:cNvGrpSpPr/>
-        <p:nvPr/>
-      </p:nvGrpSpPr>
-      <p:grpSpPr>
-        <a:xfrm>
-          <a:off x="0" y="0"/>
-          <a:ext cx="0" cy="0"/>
-          <a:chOff x="0" y="0"/>
-          <a:chExt cx="0" cy="0"/>
-        </a:xfrm>
-      </p:grpSpPr>
-      <p:sp>
-        <p:nvSpPr>
-          <p:cNvPr id="265" name="Shape 265"/>
-          <p:cNvSpPr txBox="1"/>
-          <p:nvPr>
-            <p:ph type="title"/>
-          </p:nvPr>
-        </p:nvSpPr>
-        <p:spPr>
-          <a:xfrm>
-            <a:off x="311700" y="445025"/>
-            <a:ext cx="8520600" cy="572700"/>
-          </a:xfrm>
-          <a:prstGeom prst="rect">
-            <a:avLst/>
-          </a:prstGeom>
-        </p:spPr>
-        <p:txBody>
-          <a:bodyPr anchorCtr="0" anchor="t" bIns="91425" lIns="91425" spcFirstLastPara="1" rIns="91425" wrap="square" tIns="91425">
-            <a:noAutofit/>
-          </a:bodyPr>
-          <a:lstStyle/>
-          <a:p>
-            <a:pPr indent="0" lvl="0" marL="0">
-              <a:spcBef>
-                <a:spcPts val="0"/>
-              </a:spcBef>
-              <a:spcAft>
-                <a:spcPts val="0"/>
-              </a:spcAft>
-              <a:buNone/>
-            </a:pPr>
-            <a:r>
-              <a:rPr lang="en"/>
-              <a:t>Discovery Exercise</a:t>
-            </a:r>
-            <a:endParaRPr/>
-          </a:p>
-        </p:txBody>
-      </p:sp>
-      <p:sp>
-        <p:nvSpPr>
-          <p:cNvPr id="266" name="Shape 266"/>
+          <p:cNvPr id="268" name="Shape 268"/>
           <p:cNvSpPr txBox="1"/>
           <p:nvPr>
             <p:ph idx="1" type="body"/>
@@ -16609,7 +17330,7 @@
   <p:cSld>
     <p:spTree>
       <p:nvGrpSpPr>
-        <p:cNvPr id="270" name="Shape 270"/>
+        <p:cNvPr id="272" name="Shape 272"/>
         <p:cNvGrpSpPr/>
         <p:nvPr/>
       </p:nvGrpSpPr>
@@ -16623,7 +17344,7 @@
       </p:grpSpPr>
       <p:sp>
         <p:nvSpPr>
-          <p:cNvPr id="271" name="Shape 271"/>
+          <p:cNvPr id="273" name="Shape 273"/>
           <p:cNvSpPr txBox="1"/>
           <p:nvPr>
             <p:ph type="title"/>
@@ -16631,15 +17352,15 @@
         </p:nvSpPr>
         <p:spPr>
           <a:xfrm>
-            <a:off x="311700" y="2150850"/>
-            <a:ext cx="8520600" cy="841800"/>
+            <a:off x="311700" y="445025"/>
+            <a:ext cx="8520600" cy="572700"/>
           </a:xfrm>
           <a:prstGeom prst="rect">
             <a:avLst/>
           </a:prstGeom>
         </p:spPr>
         <p:txBody>
-          <a:bodyPr anchorCtr="0" anchor="ctr" bIns="91425" lIns="91425" spcFirstLastPara="1" rIns="91425" wrap="square" tIns="91425">
+          <a:bodyPr anchorCtr="0" anchor="t" bIns="91425" lIns="91425" spcFirstLastPara="1" rIns="91425" wrap="square" tIns="91425">
             <a:noAutofit/>
           </a:bodyPr>
           <a:lstStyle/>
@@ -16655,7 +17376,46 @@
             </a:pPr>
             <a:r>
               <a:rPr lang="en"/>
-              <a:t>The Adaptable System</a:t>
+              <a:t>Discovering Services</a:t>
+            </a:r>
+            <a:endParaRPr/>
+          </a:p>
+        </p:txBody>
+      </p:sp>
+      <p:sp>
+        <p:nvSpPr>
+          <p:cNvPr id="274" name="Shape 274"/>
+          <p:cNvSpPr txBox="1"/>
+          <p:nvPr>
+            <p:ph idx="1" type="body"/>
+          </p:nvPr>
+        </p:nvSpPr>
+        <p:spPr>
+          <a:xfrm>
+            <a:off x="311700" y="1152475"/>
+            <a:ext cx="8520600" cy="3416400"/>
+          </a:xfrm>
+          <a:prstGeom prst="rect">
+            <a:avLst/>
+          </a:prstGeom>
+        </p:spPr>
+        <p:txBody>
+          <a:bodyPr anchorCtr="0" anchor="t" bIns="91425" lIns="91425" spcFirstLastPara="1" rIns="91425" wrap="square" tIns="91425">
+            <a:noAutofit/>
+          </a:bodyPr>
+          <a:lstStyle/>
+          <a:p>
+            <a:pPr indent="0" lvl="0" marL="0">
+              <a:spcBef>
+                <a:spcPts val="0"/>
+              </a:spcBef>
+              <a:spcAft>
+                <a:spcPts val="1600"/>
+              </a:spcAft>
+              <a:buNone/>
+            </a:pPr>
+            <a:r>
+              <a:t/>
             </a:r>
             <a:endParaRPr/>
           </a:p>
@@ -16674,7 +17434,7 @@
   <p:cSld>
     <p:spTree>
       <p:nvGrpSpPr>
-        <p:cNvPr id="275" name="Shape 275"/>
+        <p:cNvPr id="278" name="Shape 278"/>
         <p:cNvGrpSpPr/>
         <p:nvPr/>
       </p:nvGrpSpPr>
@@ -16688,7 +17448,7 @@
       </p:grpSpPr>
       <p:sp>
         <p:nvSpPr>
-          <p:cNvPr id="276" name="Shape 276"/>
+          <p:cNvPr id="279" name="Shape 279"/>
           <p:cNvSpPr txBox="1"/>
           <p:nvPr>
             <p:ph type="title"/>
@@ -16720,15 +17480,288 @@
             </a:pPr>
             <a:r>
               <a:rPr lang="en"/>
+              <a:t>Health Checking</a:t>
+            </a:r>
+            <a:endParaRPr/>
+          </a:p>
+        </p:txBody>
+      </p:sp>
+      <p:sp>
+        <p:nvSpPr>
+          <p:cNvPr id="280" name="Shape 280"/>
+          <p:cNvSpPr txBox="1"/>
+          <p:nvPr>
+            <p:ph idx="1" type="body"/>
+          </p:nvPr>
+        </p:nvSpPr>
+        <p:spPr>
+          <a:xfrm>
+            <a:off x="311700" y="1152475"/>
+            <a:ext cx="8520600" cy="3416400"/>
+          </a:xfrm>
+          <a:prstGeom prst="rect">
+            <a:avLst/>
+          </a:prstGeom>
+        </p:spPr>
+        <p:txBody>
+          <a:bodyPr anchorCtr="0" anchor="t" bIns="91425" lIns="91425" spcFirstLastPara="1" rIns="91425" wrap="square" tIns="91425">
+            <a:noAutofit/>
+          </a:bodyPr>
+          <a:lstStyle/>
+          <a:p>
+            <a:pPr indent="0" lvl="0" marL="0">
+              <a:spcBef>
+                <a:spcPts val="0"/>
+              </a:spcBef>
+              <a:spcAft>
+                <a:spcPts val="1600"/>
+              </a:spcAft>
+              <a:buNone/>
+            </a:pPr>
+            <a:r>
+              <a:t/>
+            </a:r>
+            <a:endParaRPr/>
+          </a:p>
+        </p:txBody>
+      </p:sp>
+    </p:spTree>
+  </p:cSld>
+  <p:clrMapOvr>
+    <a:masterClrMapping/>
+  </p:clrMapOvr>
+</p:sld>
+</file>
+
+<file path=ppt/slides/slide37.xml><?xml version="1.0" encoding="utf-8"?>
+<p:sld xmlns:a="http://schemas.openxmlformats.org/drawingml/2006/main" xmlns:r="http://schemas.openxmlformats.org/officeDocument/2006/relationships" xmlns:mc="http://schemas.openxmlformats.org/markup-compatibility/2006" xmlns:mv="urn:schemas-microsoft-com:mac:vml" xmlns:p="http://schemas.openxmlformats.org/presentationml/2006/main" xmlns:c="http://schemas.openxmlformats.org/drawingml/2006/chart" xmlns:dgm="http://schemas.openxmlformats.org/drawingml/2006/diagram" xmlns:o="urn:schemas-microsoft-com:office:office" xmlns:v="urn:schemas-microsoft-com:vml" xmlns:pvml="urn:schemas-microsoft-com:office:powerpoint" xmlns:com="http://schemas.openxmlformats.org/drawingml/2006/compatibility" xmlns:p14="http://schemas.microsoft.com/office/powerpoint/2010/main" xmlns:p15="http://schemas.microsoft.com/office/powerpoint/2012/main">
+  <p:cSld>
+    <p:spTree>
+      <p:nvGrpSpPr>
+        <p:cNvPr id="284" name="Shape 284"/>
+        <p:cNvGrpSpPr/>
+        <p:nvPr/>
+      </p:nvGrpSpPr>
+      <p:grpSpPr>
+        <a:xfrm>
+          <a:off x="0" y="0"/>
+          <a:ext cx="0" cy="0"/>
+          <a:chOff x="0" y="0"/>
+          <a:chExt cx="0" cy="0"/>
+        </a:xfrm>
+      </p:grpSpPr>
+      <p:sp>
+        <p:nvSpPr>
+          <p:cNvPr id="285" name="Shape 285"/>
+          <p:cNvSpPr txBox="1"/>
+          <p:nvPr>
+            <p:ph type="title"/>
+          </p:nvPr>
+        </p:nvSpPr>
+        <p:spPr>
+          <a:xfrm>
+            <a:off x="311700" y="445025"/>
+            <a:ext cx="8520600" cy="572700"/>
+          </a:xfrm>
+          <a:prstGeom prst="rect">
+            <a:avLst/>
+          </a:prstGeom>
+        </p:spPr>
+        <p:txBody>
+          <a:bodyPr anchorCtr="0" anchor="t" bIns="91425" lIns="91425" spcFirstLastPara="1" rIns="91425" wrap="square" tIns="91425">
+            <a:noAutofit/>
+          </a:bodyPr>
+          <a:lstStyle/>
+          <a:p>
+            <a:pPr indent="0" lvl="0" marL="0">
+              <a:spcBef>
+                <a:spcPts val="0"/>
+              </a:spcBef>
+              <a:spcAft>
+                <a:spcPts val="0"/>
+              </a:spcAft>
+              <a:buNone/>
+            </a:pPr>
+            <a:r>
+              <a:rPr lang="en"/>
+              <a:t>Discovery Exercise</a:t>
+            </a:r>
+            <a:endParaRPr/>
+          </a:p>
+        </p:txBody>
+      </p:sp>
+      <p:sp>
+        <p:nvSpPr>
+          <p:cNvPr id="286" name="Shape 286"/>
+          <p:cNvSpPr txBox="1"/>
+          <p:nvPr>
+            <p:ph idx="1" type="body"/>
+          </p:nvPr>
+        </p:nvSpPr>
+        <p:spPr>
+          <a:xfrm>
+            <a:off x="311700" y="1152475"/>
+            <a:ext cx="8520600" cy="3416400"/>
+          </a:xfrm>
+          <a:prstGeom prst="rect">
+            <a:avLst/>
+          </a:prstGeom>
+        </p:spPr>
+        <p:txBody>
+          <a:bodyPr anchorCtr="0" anchor="t" bIns="91425" lIns="91425" spcFirstLastPara="1" rIns="91425" wrap="square" tIns="91425">
+            <a:noAutofit/>
+          </a:bodyPr>
+          <a:lstStyle/>
+          <a:p>
+            <a:pPr indent="0" lvl="0" marL="0">
+              <a:spcBef>
+                <a:spcPts val="0"/>
+              </a:spcBef>
+              <a:spcAft>
+                <a:spcPts val="1600"/>
+              </a:spcAft>
+              <a:buNone/>
+            </a:pPr>
+            <a:r>
+              <a:t/>
+            </a:r>
+            <a:endParaRPr/>
+          </a:p>
+        </p:txBody>
+      </p:sp>
+    </p:spTree>
+  </p:cSld>
+  <p:clrMapOvr>
+    <a:masterClrMapping/>
+  </p:clrMapOvr>
+</p:sld>
+</file>
+
+<file path=ppt/slides/slide38.xml><?xml version="1.0" encoding="utf-8"?>
+<p:sld xmlns:a="http://schemas.openxmlformats.org/drawingml/2006/main" xmlns:r="http://schemas.openxmlformats.org/officeDocument/2006/relationships" xmlns:mc="http://schemas.openxmlformats.org/markup-compatibility/2006" xmlns:mv="urn:schemas-microsoft-com:mac:vml" xmlns:p="http://schemas.openxmlformats.org/presentationml/2006/main" xmlns:c="http://schemas.openxmlformats.org/drawingml/2006/chart" xmlns:dgm="http://schemas.openxmlformats.org/drawingml/2006/diagram" xmlns:o="urn:schemas-microsoft-com:office:office" xmlns:v="urn:schemas-microsoft-com:vml" xmlns:pvml="urn:schemas-microsoft-com:office:powerpoint" xmlns:com="http://schemas.openxmlformats.org/drawingml/2006/compatibility" xmlns:p14="http://schemas.microsoft.com/office/powerpoint/2010/main" xmlns:p15="http://schemas.microsoft.com/office/powerpoint/2012/main">
+  <p:cSld>
+    <p:spTree>
+      <p:nvGrpSpPr>
+        <p:cNvPr id="290" name="Shape 290"/>
+        <p:cNvGrpSpPr/>
+        <p:nvPr/>
+      </p:nvGrpSpPr>
+      <p:grpSpPr>
+        <a:xfrm>
+          <a:off x="0" y="0"/>
+          <a:ext cx="0" cy="0"/>
+          <a:chOff x="0" y="0"/>
+          <a:chExt cx="0" cy="0"/>
+        </a:xfrm>
+      </p:grpSpPr>
+      <p:sp>
+        <p:nvSpPr>
+          <p:cNvPr id="291" name="Shape 291"/>
+          <p:cNvSpPr txBox="1"/>
+          <p:nvPr>
+            <p:ph type="title"/>
+          </p:nvPr>
+        </p:nvSpPr>
+        <p:spPr>
+          <a:xfrm>
+            <a:off x="311700" y="2150850"/>
+            <a:ext cx="8520600" cy="841800"/>
+          </a:xfrm>
+          <a:prstGeom prst="rect">
+            <a:avLst/>
+          </a:prstGeom>
+        </p:spPr>
+        <p:txBody>
+          <a:bodyPr anchorCtr="0" anchor="ctr" bIns="91425" lIns="91425" spcFirstLastPara="1" rIns="91425" wrap="square" tIns="91425">
+            <a:noAutofit/>
+          </a:bodyPr>
+          <a:lstStyle/>
+          <a:p>
+            <a:pPr indent="0" lvl="0" marL="0">
+              <a:spcBef>
+                <a:spcPts val="0"/>
+              </a:spcBef>
+              <a:spcAft>
+                <a:spcPts val="0"/>
+              </a:spcAft>
+              <a:buNone/>
+            </a:pPr>
+            <a:r>
+              <a:rPr lang="en"/>
               <a:t>The Adaptable System</a:t>
             </a:r>
             <a:endParaRPr/>
           </a:p>
         </p:txBody>
       </p:sp>
-      <p:sp>
-        <p:nvSpPr>
-          <p:cNvPr id="277" name="Shape 277"/>
+    </p:spTree>
+  </p:cSld>
+  <p:clrMapOvr>
+    <a:masterClrMapping/>
+  </p:clrMapOvr>
+</p:sld>
+</file>
+
+<file path=ppt/slides/slide39.xml><?xml version="1.0" encoding="utf-8"?>
+<p:sld xmlns:a="http://schemas.openxmlformats.org/drawingml/2006/main" xmlns:r="http://schemas.openxmlformats.org/officeDocument/2006/relationships" xmlns:mc="http://schemas.openxmlformats.org/markup-compatibility/2006" xmlns:mv="urn:schemas-microsoft-com:mac:vml" xmlns:p="http://schemas.openxmlformats.org/presentationml/2006/main" xmlns:c="http://schemas.openxmlformats.org/drawingml/2006/chart" xmlns:dgm="http://schemas.openxmlformats.org/drawingml/2006/diagram" xmlns:o="urn:schemas-microsoft-com:office:office" xmlns:v="urn:schemas-microsoft-com:vml" xmlns:pvml="urn:schemas-microsoft-com:office:powerpoint" xmlns:com="http://schemas.openxmlformats.org/drawingml/2006/compatibility" xmlns:p14="http://schemas.microsoft.com/office/powerpoint/2010/main" xmlns:p15="http://schemas.microsoft.com/office/powerpoint/2012/main">
+  <p:cSld>
+    <p:spTree>
+      <p:nvGrpSpPr>
+        <p:cNvPr id="295" name="Shape 295"/>
+        <p:cNvGrpSpPr/>
+        <p:nvPr/>
+      </p:nvGrpSpPr>
+      <p:grpSpPr>
+        <a:xfrm>
+          <a:off x="0" y="0"/>
+          <a:ext cx="0" cy="0"/>
+          <a:chOff x="0" y="0"/>
+          <a:chExt cx="0" cy="0"/>
+        </a:xfrm>
+      </p:grpSpPr>
+      <p:sp>
+        <p:nvSpPr>
+          <p:cNvPr id="296" name="Shape 296"/>
+          <p:cNvSpPr txBox="1"/>
+          <p:nvPr>
+            <p:ph type="title"/>
+          </p:nvPr>
+        </p:nvSpPr>
+        <p:spPr>
+          <a:xfrm>
+            <a:off x="311700" y="445025"/>
+            <a:ext cx="8520600" cy="572700"/>
+          </a:xfrm>
+          <a:prstGeom prst="rect">
+            <a:avLst/>
+          </a:prstGeom>
+        </p:spPr>
+        <p:txBody>
+          <a:bodyPr anchorCtr="0" anchor="t" bIns="91425" lIns="91425" spcFirstLastPara="1" rIns="91425" wrap="square" tIns="91425">
+            <a:noAutofit/>
+          </a:bodyPr>
+          <a:lstStyle/>
+          <a:p>
+            <a:pPr indent="0" lvl="0" marL="0">
+              <a:spcBef>
+                <a:spcPts val="0"/>
+              </a:spcBef>
+              <a:spcAft>
+                <a:spcPts val="0"/>
+              </a:spcAft>
+              <a:buNone/>
+            </a:pPr>
+            <a:r>
+              <a:rPr lang="en"/>
+              <a:t>The Adaptable System</a:t>
+            </a:r>
+            <a:endParaRPr/>
+          </a:p>
+        </p:txBody>
+      </p:sp>
+      <p:sp>
+        <p:nvSpPr>
+          <p:cNvPr id="297" name="Shape 297"/>
           <p:cNvSpPr txBox="1"/>
           <p:nvPr>
             <p:ph idx="1" type="body"/>
@@ -16857,7 +17890,7 @@
                                           </p:stCondLst>
                                         </p:cTn>
                                         <p:tgtEl>
-                                          <p:spTgt spid="277">
+                                          <p:spTgt spid="297">
                                             <p:txEl>
                                               <p:pRg end="0" st="0"/>
                                             </p:txEl>
@@ -16875,7 +17908,7 @@
                                       <p:cBhvr>
                                         <p:cTn dur="1000"/>
                                         <p:tgtEl>
-                                          <p:spTgt spid="277">
+                                          <p:spTgt spid="297">
                                             <p:txEl>
                                               <p:pRg end="0" st="0"/>
                                             </p:txEl>
@@ -16918,7 +17951,7 @@
                                           </p:stCondLst>
                                         </p:cTn>
                                         <p:tgtEl>
-                                          <p:spTgt spid="277">
+                                          <p:spTgt spid="297">
                                             <p:txEl>
                                               <p:pRg end="1" st="1"/>
                                             </p:txEl>
@@ -16936,7 +17969,7 @@
                                       <p:cBhvr>
                                         <p:cTn dur="1000"/>
                                         <p:tgtEl>
-                                          <p:spTgt spid="277">
+                                          <p:spTgt spid="297">
                                             <p:txEl>
                                               <p:pRg end="1" st="1"/>
                                             </p:txEl>
@@ -16979,7 +18012,7 @@
                                           </p:stCondLst>
                                         </p:cTn>
                                         <p:tgtEl>
-                                          <p:spTgt spid="277">
+                                          <p:spTgt spid="297">
                                             <p:txEl>
                                               <p:pRg end="2" st="2"/>
                                             </p:txEl>
@@ -16997,7 +18030,7 @@
                                       <p:cBhvr>
                                         <p:cTn dur="1000"/>
                                         <p:tgtEl>
-                                          <p:spTgt spid="277">
+                                          <p:spTgt spid="297">
                                             <p:txEl>
                                               <p:pRg end="2" st="2"/>
                                             </p:txEl>
@@ -17040,7 +18073,7 @@
                                           </p:stCondLst>
                                         </p:cTn>
                                         <p:tgtEl>
-                                          <p:spTgt spid="277">
+                                          <p:spTgt spid="297">
                                             <p:txEl>
                                               <p:pRg end="3" st="3"/>
                                             </p:txEl>
@@ -17058,7 +18091,7 @@
                                       <p:cBhvr>
                                         <p:cTn dur="1000"/>
                                         <p:tgtEl>
-                                          <p:spTgt spid="277">
+                                          <p:spTgt spid="297">
                                             <p:txEl>
                                               <p:pRg end="3" st="3"/>
                                             </p:txEl>
@@ -17100,318 +18133,6 @@
 </p:sld>
 </file>
 
-<file path=ppt/slides/slide37.xml><?xml version="1.0" encoding="utf-8"?>
-<p:sld xmlns:a="http://schemas.openxmlformats.org/drawingml/2006/main" xmlns:r="http://schemas.openxmlformats.org/officeDocument/2006/relationships" xmlns:mc="http://schemas.openxmlformats.org/markup-compatibility/2006" xmlns:mv="urn:schemas-microsoft-com:mac:vml" xmlns:p="http://schemas.openxmlformats.org/presentationml/2006/main" xmlns:c="http://schemas.openxmlformats.org/drawingml/2006/chart" xmlns:dgm="http://schemas.openxmlformats.org/drawingml/2006/diagram" xmlns:o="urn:schemas-microsoft-com:office:office" xmlns:v="urn:schemas-microsoft-com:vml" xmlns:pvml="urn:schemas-microsoft-com:office:powerpoint" xmlns:com="http://schemas.openxmlformats.org/drawingml/2006/compatibility" xmlns:p14="http://schemas.microsoft.com/office/powerpoint/2010/main" xmlns:p15="http://schemas.microsoft.com/office/powerpoint/2012/main">
-  <p:cSld>
-    <p:spTree>
-      <p:nvGrpSpPr>
-        <p:cNvPr id="281" name="Shape 281"/>
-        <p:cNvGrpSpPr/>
-        <p:nvPr/>
-      </p:nvGrpSpPr>
-      <p:grpSpPr>
-        <a:xfrm>
-          <a:off x="0" y="0"/>
-          <a:ext cx="0" cy="0"/>
-          <a:chOff x="0" y="0"/>
-          <a:chExt cx="0" cy="0"/>
-        </a:xfrm>
-      </p:grpSpPr>
-      <p:sp>
-        <p:nvSpPr>
-          <p:cNvPr id="282" name="Shape 282"/>
-          <p:cNvSpPr txBox="1"/>
-          <p:nvPr>
-            <p:ph type="title"/>
-          </p:nvPr>
-        </p:nvSpPr>
-        <p:spPr>
-          <a:xfrm>
-            <a:off x="311700" y="445025"/>
-            <a:ext cx="8520600" cy="572700"/>
-          </a:xfrm>
-          <a:prstGeom prst="rect">
-            <a:avLst/>
-          </a:prstGeom>
-        </p:spPr>
-        <p:txBody>
-          <a:bodyPr anchorCtr="0" anchor="t" bIns="91425" lIns="91425" spcFirstLastPara="1" rIns="91425" wrap="square" tIns="91425">
-            <a:noAutofit/>
-          </a:bodyPr>
-          <a:lstStyle/>
-          <a:p>
-            <a:pPr indent="0" lvl="0" marL="0">
-              <a:spcBef>
-                <a:spcPts val="0"/>
-              </a:spcBef>
-              <a:spcAft>
-                <a:spcPts val="0"/>
-              </a:spcAft>
-              <a:buNone/>
-            </a:pPr>
-            <a:r>
-              <a:rPr lang="en"/>
-              <a:t>Evolvable Providers</a:t>
-            </a:r>
-            <a:endParaRPr/>
-          </a:p>
-        </p:txBody>
-      </p:sp>
-      <p:sp>
-        <p:nvSpPr>
-          <p:cNvPr id="283" name="Shape 283"/>
-          <p:cNvSpPr txBox="1"/>
-          <p:nvPr>
-            <p:ph idx="1" type="body"/>
-          </p:nvPr>
-        </p:nvSpPr>
-        <p:spPr>
-          <a:xfrm>
-            <a:off x="311700" y="1152475"/>
-            <a:ext cx="8520600" cy="3416400"/>
-          </a:xfrm>
-          <a:prstGeom prst="rect">
-            <a:avLst/>
-          </a:prstGeom>
-        </p:spPr>
-        <p:txBody>
-          <a:bodyPr anchorCtr="0" anchor="t" bIns="91425" lIns="91425" spcFirstLastPara="1" rIns="91425" wrap="square" tIns="91425">
-            <a:noAutofit/>
-          </a:bodyPr>
-          <a:lstStyle/>
-          <a:p>
-            <a:pPr indent="0" lvl="0" marL="0">
-              <a:spcBef>
-                <a:spcPts val="0"/>
-              </a:spcBef>
-              <a:spcAft>
-                <a:spcPts val="1600"/>
-              </a:spcAft>
-              <a:buNone/>
-            </a:pPr>
-            <a:r>
-              <a:t/>
-            </a:r>
-            <a:endParaRPr/>
-          </a:p>
-        </p:txBody>
-      </p:sp>
-    </p:spTree>
-  </p:cSld>
-  <p:clrMapOvr>
-    <a:masterClrMapping/>
-  </p:clrMapOvr>
-</p:sld>
-</file>
-
-<file path=ppt/slides/slide38.xml><?xml version="1.0" encoding="utf-8"?>
-<p:sld xmlns:a="http://schemas.openxmlformats.org/drawingml/2006/main" xmlns:r="http://schemas.openxmlformats.org/officeDocument/2006/relationships" xmlns:mc="http://schemas.openxmlformats.org/markup-compatibility/2006" xmlns:mv="urn:schemas-microsoft-com:mac:vml" xmlns:p="http://schemas.openxmlformats.org/presentationml/2006/main" xmlns:c="http://schemas.openxmlformats.org/drawingml/2006/chart" xmlns:dgm="http://schemas.openxmlformats.org/drawingml/2006/diagram" xmlns:o="urn:schemas-microsoft-com:office:office" xmlns:v="urn:schemas-microsoft-com:vml" xmlns:pvml="urn:schemas-microsoft-com:office:powerpoint" xmlns:com="http://schemas.openxmlformats.org/drawingml/2006/compatibility" xmlns:p14="http://schemas.microsoft.com/office/powerpoint/2010/main" xmlns:p15="http://schemas.microsoft.com/office/powerpoint/2012/main">
-  <p:cSld>
-    <p:spTree>
-      <p:nvGrpSpPr>
-        <p:cNvPr id="287" name="Shape 287"/>
-        <p:cNvGrpSpPr/>
-        <p:nvPr/>
-      </p:nvGrpSpPr>
-      <p:grpSpPr>
-        <a:xfrm>
-          <a:off x="0" y="0"/>
-          <a:ext cx="0" cy="0"/>
-          <a:chOff x="0" y="0"/>
-          <a:chExt cx="0" cy="0"/>
-        </a:xfrm>
-      </p:grpSpPr>
-      <p:sp>
-        <p:nvSpPr>
-          <p:cNvPr id="288" name="Shape 288"/>
-          <p:cNvSpPr txBox="1"/>
-          <p:nvPr>
-            <p:ph type="title"/>
-          </p:nvPr>
-        </p:nvSpPr>
-        <p:spPr>
-          <a:xfrm>
-            <a:off x="311700" y="445025"/>
-            <a:ext cx="8520600" cy="572700"/>
-          </a:xfrm>
-          <a:prstGeom prst="rect">
-            <a:avLst/>
-          </a:prstGeom>
-        </p:spPr>
-        <p:txBody>
-          <a:bodyPr anchorCtr="0" anchor="t" bIns="91425" lIns="91425" spcFirstLastPara="1" rIns="91425" wrap="square" tIns="91425">
-            <a:noAutofit/>
-          </a:bodyPr>
-          <a:lstStyle/>
-          <a:p>
-            <a:pPr indent="0" lvl="0" marL="0">
-              <a:spcBef>
-                <a:spcPts val="0"/>
-              </a:spcBef>
-              <a:spcAft>
-                <a:spcPts val="0"/>
-              </a:spcAft>
-              <a:buNone/>
-            </a:pPr>
-            <a:r>
-              <a:rPr lang="en"/>
-              <a:t>Adaptable Consumers</a:t>
-            </a:r>
-            <a:endParaRPr/>
-          </a:p>
-        </p:txBody>
-      </p:sp>
-      <p:sp>
-        <p:nvSpPr>
-          <p:cNvPr id="289" name="Shape 289"/>
-          <p:cNvSpPr txBox="1"/>
-          <p:nvPr>
-            <p:ph idx="1" type="body"/>
-          </p:nvPr>
-        </p:nvSpPr>
-        <p:spPr>
-          <a:xfrm>
-            <a:off x="311700" y="1152475"/>
-            <a:ext cx="8520600" cy="3416400"/>
-          </a:xfrm>
-          <a:prstGeom prst="rect">
-            <a:avLst/>
-          </a:prstGeom>
-        </p:spPr>
-        <p:txBody>
-          <a:bodyPr anchorCtr="0" anchor="t" bIns="91425" lIns="91425" spcFirstLastPara="1" rIns="91425" wrap="square" tIns="91425">
-            <a:noAutofit/>
-          </a:bodyPr>
-          <a:lstStyle/>
-          <a:p>
-            <a:pPr indent="0" lvl="0" marL="0">
-              <a:spcBef>
-                <a:spcPts val="0"/>
-              </a:spcBef>
-              <a:spcAft>
-                <a:spcPts val="1600"/>
-              </a:spcAft>
-              <a:buNone/>
-            </a:pPr>
-            <a:r>
-              <a:t/>
-            </a:r>
-            <a:endParaRPr/>
-          </a:p>
-        </p:txBody>
-      </p:sp>
-    </p:spTree>
-  </p:cSld>
-  <p:clrMapOvr>
-    <a:masterClrMapping/>
-  </p:clrMapOvr>
-</p:sld>
-</file>
-
-<file path=ppt/slides/slide39.xml><?xml version="1.0" encoding="utf-8"?>
-<p:sld xmlns:a="http://schemas.openxmlformats.org/drawingml/2006/main" xmlns:r="http://schemas.openxmlformats.org/officeDocument/2006/relationships" xmlns:mc="http://schemas.openxmlformats.org/markup-compatibility/2006" xmlns:mv="urn:schemas-microsoft-com:mac:vml" xmlns:p="http://schemas.openxmlformats.org/presentationml/2006/main" xmlns:c="http://schemas.openxmlformats.org/drawingml/2006/chart" xmlns:dgm="http://schemas.openxmlformats.org/drawingml/2006/diagram" xmlns:o="urn:schemas-microsoft-com:office:office" xmlns:v="urn:schemas-microsoft-com:vml" xmlns:pvml="urn:schemas-microsoft-com:office:powerpoint" xmlns:com="http://schemas.openxmlformats.org/drawingml/2006/compatibility" xmlns:p14="http://schemas.microsoft.com/office/powerpoint/2010/main" xmlns:p15="http://schemas.microsoft.com/office/powerpoint/2012/main">
-  <p:cSld>
-    <p:spTree>
-      <p:nvGrpSpPr>
-        <p:cNvPr id="293" name="Shape 293"/>
-        <p:cNvGrpSpPr/>
-        <p:nvPr/>
-      </p:nvGrpSpPr>
-      <p:grpSpPr>
-        <a:xfrm>
-          <a:off x="0" y="0"/>
-          <a:ext cx="0" cy="0"/>
-          <a:chOff x="0" y="0"/>
-          <a:chExt cx="0" cy="0"/>
-        </a:xfrm>
-      </p:grpSpPr>
-      <p:sp>
-        <p:nvSpPr>
-          <p:cNvPr id="294" name="Shape 294"/>
-          <p:cNvSpPr txBox="1"/>
-          <p:nvPr>
-            <p:ph type="title"/>
-          </p:nvPr>
-        </p:nvSpPr>
-        <p:spPr>
-          <a:xfrm>
-            <a:off x="311700" y="445025"/>
-            <a:ext cx="8520600" cy="572700"/>
-          </a:xfrm>
-          <a:prstGeom prst="rect">
-            <a:avLst/>
-          </a:prstGeom>
-        </p:spPr>
-        <p:txBody>
-          <a:bodyPr anchorCtr="0" anchor="t" bIns="91425" lIns="91425" spcFirstLastPara="1" rIns="91425" wrap="square" tIns="91425">
-            <a:noAutofit/>
-          </a:bodyPr>
-          <a:lstStyle/>
-          <a:p>
-            <a:pPr indent="0" lvl="0" marL="0">
-              <a:spcBef>
-                <a:spcPts val="0"/>
-              </a:spcBef>
-              <a:spcAft>
-                <a:spcPts val="0"/>
-              </a:spcAft>
-              <a:buNone/>
-            </a:pPr>
-            <a:r>
-              <a:rPr lang="en"/>
-              <a:t>The Power of Numbers</a:t>
-            </a:r>
-            <a:endParaRPr/>
-          </a:p>
-        </p:txBody>
-      </p:sp>
-      <p:sp>
-        <p:nvSpPr>
-          <p:cNvPr id="295" name="Shape 295"/>
-          <p:cNvSpPr txBox="1"/>
-          <p:nvPr>
-            <p:ph idx="1" type="body"/>
-          </p:nvPr>
-        </p:nvSpPr>
-        <p:spPr>
-          <a:xfrm>
-            <a:off x="311700" y="1152475"/>
-            <a:ext cx="8520600" cy="3416400"/>
-          </a:xfrm>
-          <a:prstGeom prst="rect">
-            <a:avLst/>
-          </a:prstGeom>
-        </p:spPr>
-        <p:txBody>
-          <a:bodyPr anchorCtr="0" anchor="t" bIns="91425" lIns="91425" spcFirstLastPara="1" rIns="91425" wrap="square" tIns="91425">
-            <a:noAutofit/>
-          </a:bodyPr>
-          <a:lstStyle/>
-          <a:p>
-            <a:pPr indent="0" lvl="0" marL="0">
-              <a:spcBef>
-                <a:spcPts val="0"/>
-              </a:spcBef>
-              <a:spcAft>
-                <a:spcPts val="1600"/>
-              </a:spcAft>
-              <a:buNone/>
-            </a:pPr>
-            <a:r>
-              <a:t/>
-            </a:r>
-            <a:endParaRPr/>
-          </a:p>
-        </p:txBody>
-      </p:sp>
-    </p:spTree>
-  </p:cSld>
-  <p:clrMapOvr>
-    <a:masterClrMapping/>
-  </p:clrMapOvr>
-</p:sld>
-</file>
-
 <file path=ppt/slides/slide4.xml><?xml version="1.0" encoding="utf-8"?>
 <p:sld xmlns:a="http://schemas.openxmlformats.org/drawingml/2006/main" xmlns:r="http://schemas.openxmlformats.org/officeDocument/2006/relationships" xmlns:mc="http://schemas.openxmlformats.org/markup-compatibility/2006" xmlns:mv="urn:schemas-microsoft-com:mac:vml" xmlns:p="http://schemas.openxmlformats.org/presentationml/2006/main" xmlns:c="http://schemas.openxmlformats.org/drawingml/2006/chart" xmlns:dgm="http://schemas.openxmlformats.org/drawingml/2006/diagram" xmlns:o="urn:schemas-microsoft-com:office:office" xmlns:v="urn:schemas-microsoft-com:vml" xmlns:pvml="urn:schemas-microsoft-com:office:powerpoint" xmlns:com="http://schemas.openxmlformats.org/drawingml/2006/compatibility" xmlns:p14="http://schemas.microsoft.com/office/powerpoint/2010/main" xmlns:p15="http://schemas.microsoft.com/office/powerpoint/2012/main">
   <p:cSld>
@@ -17482,7 +18203,7 @@
   <p:cSld>
     <p:spTree>
       <p:nvGrpSpPr>
-        <p:cNvPr id="299" name="Shape 299"/>
+        <p:cNvPr id="301" name="Shape 301"/>
         <p:cNvGrpSpPr/>
         <p:nvPr/>
       </p:nvGrpSpPr>
@@ -17496,7 +18217,7 @@
       </p:grpSpPr>
       <p:sp>
         <p:nvSpPr>
-          <p:cNvPr id="300" name="Shape 300"/>
+          <p:cNvPr id="302" name="Shape 302"/>
           <p:cNvSpPr txBox="1"/>
           <p:nvPr>
             <p:ph type="title"/>
@@ -17528,7 +18249,7 @@
             </a:pPr>
             <a:r>
               <a:rPr lang="en"/>
-              <a:t>Adaptation Exercise</a:t>
+              <a:t>Evolvable Providers</a:t>
             </a:r>
             <a:endParaRPr/>
           </a:p>
@@ -17536,7 +18257,7 @@
       </p:sp>
       <p:sp>
         <p:nvSpPr>
-          <p:cNvPr id="301" name="Shape 301"/>
+          <p:cNvPr id="303" name="Shape 303"/>
           <p:cNvSpPr txBox="1"/>
           <p:nvPr>
             <p:ph idx="1" type="body"/>
@@ -17586,7 +18307,7 @@
   <p:cSld>
     <p:spTree>
       <p:nvGrpSpPr>
-        <p:cNvPr id="305" name="Shape 305"/>
+        <p:cNvPr id="307" name="Shape 307"/>
         <p:cNvGrpSpPr/>
         <p:nvPr/>
       </p:nvGrpSpPr>
@@ -17600,7 +18321,7 @@
       </p:grpSpPr>
       <p:sp>
         <p:nvSpPr>
-          <p:cNvPr id="306" name="Shape 306"/>
+          <p:cNvPr id="308" name="Shape 308"/>
           <p:cNvSpPr txBox="1"/>
           <p:nvPr>
             <p:ph type="title"/>
@@ -17608,15 +18329,15 @@
         </p:nvSpPr>
         <p:spPr>
           <a:xfrm>
-            <a:off x="311700" y="2150850"/>
-            <a:ext cx="8520600" cy="841800"/>
+            <a:off x="311700" y="445025"/>
+            <a:ext cx="8520600" cy="572700"/>
           </a:xfrm>
           <a:prstGeom prst="rect">
             <a:avLst/>
           </a:prstGeom>
         </p:spPr>
         <p:txBody>
-          <a:bodyPr anchorCtr="0" anchor="ctr" bIns="91425" lIns="91425" spcFirstLastPara="1" rIns="91425" wrap="square" tIns="91425">
+          <a:bodyPr anchorCtr="0" anchor="t" bIns="91425" lIns="91425" spcFirstLastPara="1" rIns="91425" wrap="square" tIns="91425">
             <a:noAutofit/>
           </a:bodyPr>
           <a:lstStyle/>
@@ -17632,7 +18353,46 @@
             </a:pPr>
             <a:r>
               <a:rPr lang="en"/>
-              <a:t>Summary</a:t>
+              <a:t>Adaptable Consumers</a:t>
+            </a:r>
+            <a:endParaRPr/>
+          </a:p>
+        </p:txBody>
+      </p:sp>
+      <p:sp>
+        <p:nvSpPr>
+          <p:cNvPr id="309" name="Shape 309"/>
+          <p:cNvSpPr txBox="1"/>
+          <p:nvPr>
+            <p:ph idx="1" type="body"/>
+          </p:nvPr>
+        </p:nvSpPr>
+        <p:spPr>
+          <a:xfrm>
+            <a:off x="311700" y="1152475"/>
+            <a:ext cx="8520600" cy="3416400"/>
+          </a:xfrm>
+          <a:prstGeom prst="rect">
+            <a:avLst/>
+          </a:prstGeom>
+        </p:spPr>
+        <p:txBody>
+          <a:bodyPr anchorCtr="0" anchor="t" bIns="91425" lIns="91425" spcFirstLastPara="1" rIns="91425" wrap="square" tIns="91425">
+            <a:noAutofit/>
+          </a:bodyPr>
+          <a:lstStyle/>
+          <a:p>
+            <a:pPr indent="0" lvl="0" marL="0">
+              <a:spcBef>
+                <a:spcPts val="0"/>
+              </a:spcBef>
+              <a:spcAft>
+                <a:spcPts val="1600"/>
+              </a:spcAft>
+              <a:buNone/>
+            </a:pPr>
+            <a:r>
+              <a:t/>
             </a:r>
             <a:endParaRPr/>
           </a:p>
@@ -17651,7 +18411,7 @@
   <p:cSld>
     <p:spTree>
       <p:nvGrpSpPr>
-        <p:cNvPr id="310" name="Shape 310"/>
+        <p:cNvPr id="313" name="Shape 313"/>
         <p:cNvGrpSpPr/>
         <p:nvPr/>
       </p:nvGrpSpPr>
@@ -17665,7 +18425,7 @@
       </p:grpSpPr>
       <p:sp>
         <p:nvSpPr>
-          <p:cNvPr id="311" name="Shape 311"/>
+          <p:cNvPr id="314" name="Shape 314"/>
           <p:cNvSpPr txBox="1"/>
           <p:nvPr>
             <p:ph type="title"/>
@@ -17697,15 +18457,288 @@
             </a:pPr>
             <a:r>
               <a:rPr lang="en"/>
+              <a:t>The Power of Numbers</a:t>
+            </a:r>
+            <a:endParaRPr/>
+          </a:p>
+        </p:txBody>
+      </p:sp>
+      <p:sp>
+        <p:nvSpPr>
+          <p:cNvPr id="315" name="Shape 315"/>
+          <p:cNvSpPr txBox="1"/>
+          <p:nvPr>
+            <p:ph idx="1" type="body"/>
+          </p:nvPr>
+        </p:nvSpPr>
+        <p:spPr>
+          <a:xfrm>
+            <a:off x="311700" y="1152475"/>
+            <a:ext cx="8520600" cy="3416400"/>
+          </a:xfrm>
+          <a:prstGeom prst="rect">
+            <a:avLst/>
+          </a:prstGeom>
+        </p:spPr>
+        <p:txBody>
+          <a:bodyPr anchorCtr="0" anchor="t" bIns="91425" lIns="91425" spcFirstLastPara="1" rIns="91425" wrap="square" tIns="91425">
+            <a:noAutofit/>
+          </a:bodyPr>
+          <a:lstStyle/>
+          <a:p>
+            <a:pPr indent="0" lvl="0" marL="0">
+              <a:spcBef>
+                <a:spcPts val="0"/>
+              </a:spcBef>
+              <a:spcAft>
+                <a:spcPts val="1600"/>
+              </a:spcAft>
+              <a:buNone/>
+            </a:pPr>
+            <a:r>
+              <a:t/>
+            </a:r>
+            <a:endParaRPr/>
+          </a:p>
+        </p:txBody>
+      </p:sp>
+    </p:spTree>
+  </p:cSld>
+  <p:clrMapOvr>
+    <a:masterClrMapping/>
+  </p:clrMapOvr>
+</p:sld>
+</file>
+
+<file path=ppt/slides/slide43.xml><?xml version="1.0" encoding="utf-8"?>
+<p:sld xmlns:a="http://schemas.openxmlformats.org/drawingml/2006/main" xmlns:r="http://schemas.openxmlformats.org/officeDocument/2006/relationships" xmlns:mc="http://schemas.openxmlformats.org/markup-compatibility/2006" xmlns:mv="urn:schemas-microsoft-com:mac:vml" xmlns:p="http://schemas.openxmlformats.org/presentationml/2006/main" xmlns:c="http://schemas.openxmlformats.org/drawingml/2006/chart" xmlns:dgm="http://schemas.openxmlformats.org/drawingml/2006/diagram" xmlns:o="urn:schemas-microsoft-com:office:office" xmlns:v="urn:schemas-microsoft-com:vml" xmlns:pvml="urn:schemas-microsoft-com:office:powerpoint" xmlns:com="http://schemas.openxmlformats.org/drawingml/2006/compatibility" xmlns:p14="http://schemas.microsoft.com/office/powerpoint/2010/main" xmlns:p15="http://schemas.microsoft.com/office/powerpoint/2012/main">
+  <p:cSld>
+    <p:spTree>
+      <p:nvGrpSpPr>
+        <p:cNvPr id="319" name="Shape 319"/>
+        <p:cNvGrpSpPr/>
+        <p:nvPr/>
+      </p:nvGrpSpPr>
+      <p:grpSpPr>
+        <a:xfrm>
+          <a:off x="0" y="0"/>
+          <a:ext cx="0" cy="0"/>
+          <a:chOff x="0" y="0"/>
+          <a:chExt cx="0" cy="0"/>
+        </a:xfrm>
+      </p:grpSpPr>
+      <p:sp>
+        <p:nvSpPr>
+          <p:cNvPr id="320" name="Shape 320"/>
+          <p:cNvSpPr txBox="1"/>
+          <p:nvPr>
+            <p:ph type="title"/>
+          </p:nvPr>
+        </p:nvSpPr>
+        <p:spPr>
+          <a:xfrm>
+            <a:off x="311700" y="445025"/>
+            <a:ext cx="8520600" cy="572700"/>
+          </a:xfrm>
+          <a:prstGeom prst="rect">
+            <a:avLst/>
+          </a:prstGeom>
+        </p:spPr>
+        <p:txBody>
+          <a:bodyPr anchorCtr="0" anchor="t" bIns="91425" lIns="91425" spcFirstLastPara="1" rIns="91425" wrap="square" tIns="91425">
+            <a:noAutofit/>
+          </a:bodyPr>
+          <a:lstStyle/>
+          <a:p>
+            <a:pPr indent="0" lvl="0" marL="0">
+              <a:spcBef>
+                <a:spcPts val="0"/>
+              </a:spcBef>
+              <a:spcAft>
+                <a:spcPts val="0"/>
+              </a:spcAft>
+              <a:buNone/>
+            </a:pPr>
+            <a:r>
+              <a:rPr lang="en"/>
+              <a:t>Adaptation Exercise</a:t>
+            </a:r>
+            <a:endParaRPr/>
+          </a:p>
+        </p:txBody>
+      </p:sp>
+      <p:sp>
+        <p:nvSpPr>
+          <p:cNvPr id="321" name="Shape 321"/>
+          <p:cNvSpPr txBox="1"/>
+          <p:nvPr>
+            <p:ph idx="1" type="body"/>
+          </p:nvPr>
+        </p:nvSpPr>
+        <p:spPr>
+          <a:xfrm>
+            <a:off x="311700" y="1152475"/>
+            <a:ext cx="8520600" cy="3416400"/>
+          </a:xfrm>
+          <a:prstGeom prst="rect">
+            <a:avLst/>
+          </a:prstGeom>
+        </p:spPr>
+        <p:txBody>
+          <a:bodyPr anchorCtr="0" anchor="t" bIns="91425" lIns="91425" spcFirstLastPara="1" rIns="91425" wrap="square" tIns="91425">
+            <a:noAutofit/>
+          </a:bodyPr>
+          <a:lstStyle/>
+          <a:p>
+            <a:pPr indent="0" lvl="0" marL="0">
+              <a:spcBef>
+                <a:spcPts val="0"/>
+              </a:spcBef>
+              <a:spcAft>
+                <a:spcPts val="1600"/>
+              </a:spcAft>
+              <a:buNone/>
+            </a:pPr>
+            <a:r>
+              <a:t/>
+            </a:r>
+            <a:endParaRPr/>
+          </a:p>
+        </p:txBody>
+      </p:sp>
+    </p:spTree>
+  </p:cSld>
+  <p:clrMapOvr>
+    <a:masterClrMapping/>
+  </p:clrMapOvr>
+</p:sld>
+</file>
+
+<file path=ppt/slides/slide44.xml><?xml version="1.0" encoding="utf-8"?>
+<p:sld xmlns:a="http://schemas.openxmlformats.org/drawingml/2006/main" xmlns:r="http://schemas.openxmlformats.org/officeDocument/2006/relationships" xmlns:mc="http://schemas.openxmlformats.org/markup-compatibility/2006" xmlns:mv="urn:schemas-microsoft-com:mac:vml" xmlns:p="http://schemas.openxmlformats.org/presentationml/2006/main" xmlns:c="http://schemas.openxmlformats.org/drawingml/2006/chart" xmlns:dgm="http://schemas.openxmlformats.org/drawingml/2006/diagram" xmlns:o="urn:schemas-microsoft-com:office:office" xmlns:v="urn:schemas-microsoft-com:vml" xmlns:pvml="urn:schemas-microsoft-com:office:powerpoint" xmlns:com="http://schemas.openxmlformats.org/drawingml/2006/compatibility" xmlns:p14="http://schemas.microsoft.com/office/powerpoint/2010/main" xmlns:p15="http://schemas.microsoft.com/office/powerpoint/2012/main">
+  <p:cSld>
+    <p:spTree>
+      <p:nvGrpSpPr>
+        <p:cNvPr id="325" name="Shape 325"/>
+        <p:cNvGrpSpPr/>
+        <p:nvPr/>
+      </p:nvGrpSpPr>
+      <p:grpSpPr>
+        <a:xfrm>
+          <a:off x="0" y="0"/>
+          <a:ext cx="0" cy="0"/>
+          <a:chOff x="0" y="0"/>
+          <a:chExt cx="0" cy="0"/>
+        </a:xfrm>
+      </p:grpSpPr>
+      <p:sp>
+        <p:nvSpPr>
+          <p:cNvPr id="326" name="Shape 326"/>
+          <p:cNvSpPr txBox="1"/>
+          <p:nvPr>
+            <p:ph type="title"/>
+          </p:nvPr>
+        </p:nvSpPr>
+        <p:spPr>
+          <a:xfrm>
+            <a:off x="311700" y="2150850"/>
+            <a:ext cx="8520600" cy="841800"/>
+          </a:xfrm>
+          <a:prstGeom prst="rect">
+            <a:avLst/>
+          </a:prstGeom>
+        </p:spPr>
+        <p:txBody>
+          <a:bodyPr anchorCtr="0" anchor="ctr" bIns="91425" lIns="91425" spcFirstLastPara="1" rIns="91425" wrap="square" tIns="91425">
+            <a:noAutofit/>
+          </a:bodyPr>
+          <a:lstStyle/>
+          <a:p>
+            <a:pPr indent="0" lvl="0" marL="0">
+              <a:spcBef>
+                <a:spcPts val="0"/>
+              </a:spcBef>
+              <a:spcAft>
+                <a:spcPts val="0"/>
+              </a:spcAft>
+              <a:buNone/>
+            </a:pPr>
+            <a:r>
+              <a:rPr lang="en"/>
               <a:t>Summary</a:t>
             </a:r>
             <a:endParaRPr/>
           </a:p>
         </p:txBody>
       </p:sp>
-      <p:sp>
-        <p:nvSpPr>
-          <p:cNvPr id="312" name="Shape 312"/>
+    </p:spTree>
+  </p:cSld>
+  <p:clrMapOvr>
+    <a:masterClrMapping/>
+  </p:clrMapOvr>
+</p:sld>
+</file>
+
+<file path=ppt/slides/slide45.xml><?xml version="1.0" encoding="utf-8"?>
+<p:sld xmlns:a="http://schemas.openxmlformats.org/drawingml/2006/main" xmlns:r="http://schemas.openxmlformats.org/officeDocument/2006/relationships" xmlns:mc="http://schemas.openxmlformats.org/markup-compatibility/2006" xmlns:mv="urn:schemas-microsoft-com:mac:vml" xmlns:p="http://schemas.openxmlformats.org/presentationml/2006/main" xmlns:c="http://schemas.openxmlformats.org/drawingml/2006/chart" xmlns:dgm="http://schemas.openxmlformats.org/drawingml/2006/diagram" xmlns:o="urn:schemas-microsoft-com:office:office" xmlns:v="urn:schemas-microsoft-com:vml" xmlns:pvml="urn:schemas-microsoft-com:office:powerpoint" xmlns:com="http://schemas.openxmlformats.org/drawingml/2006/compatibility" xmlns:p14="http://schemas.microsoft.com/office/powerpoint/2010/main" xmlns:p15="http://schemas.microsoft.com/office/powerpoint/2012/main">
+  <p:cSld>
+    <p:spTree>
+      <p:nvGrpSpPr>
+        <p:cNvPr id="330" name="Shape 330"/>
+        <p:cNvGrpSpPr/>
+        <p:nvPr/>
+      </p:nvGrpSpPr>
+      <p:grpSpPr>
+        <a:xfrm>
+          <a:off x="0" y="0"/>
+          <a:ext cx="0" cy="0"/>
+          <a:chOff x="0" y="0"/>
+          <a:chExt cx="0" cy="0"/>
+        </a:xfrm>
+      </p:grpSpPr>
+      <p:sp>
+        <p:nvSpPr>
+          <p:cNvPr id="331" name="Shape 331"/>
+          <p:cNvSpPr txBox="1"/>
+          <p:nvPr>
+            <p:ph type="title"/>
+          </p:nvPr>
+        </p:nvSpPr>
+        <p:spPr>
+          <a:xfrm>
+            <a:off x="311700" y="445025"/>
+            <a:ext cx="8520600" cy="572700"/>
+          </a:xfrm>
+          <a:prstGeom prst="rect">
+            <a:avLst/>
+          </a:prstGeom>
+        </p:spPr>
+        <p:txBody>
+          <a:bodyPr anchorCtr="0" anchor="t" bIns="91425" lIns="91425" spcFirstLastPara="1" rIns="91425" wrap="square" tIns="91425">
+            <a:noAutofit/>
+          </a:bodyPr>
+          <a:lstStyle/>
+          <a:p>
+            <a:pPr indent="0" lvl="0" marL="0">
+              <a:spcBef>
+                <a:spcPts val="0"/>
+              </a:spcBef>
+              <a:spcAft>
+                <a:spcPts val="0"/>
+              </a:spcAft>
+              <a:buNone/>
+            </a:pPr>
+            <a:r>
+              <a:rPr lang="en"/>
+              <a:t>Summary</a:t>
+            </a:r>
+            <a:endParaRPr/>
+          </a:p>
+        </p:txBody>
+      </p:sp>
+      <p:sp>
+        <p:nvSpPr>
+          <p:cNvPr id="332" name="Shape 332"/>
           <p:cNvSpPr txBox="1"/>
           <p:nvPr>
             <p:ph idx="1" type="body"/>
@@ -17834,7 +18867,7 @@
                                           </p:stCondLst>
                                         </p:cTn>
                                         <p:tgtEl>
-                                          <p:spTgt spid="312">
+                                          <p:spTgt spid="332">
                                             <p:txEl>
                                               <p:pRg end="0" st="0"/>
                                             </p:txEl>
@@ -17852,7 +18885,7 @@
                                       <p:cBhvr>
                                         <p:cTn dur="1000"/>
                                         <p:tgtEl>
-                                          <p:spTgt spid="312">
+                                          <p:spTgt spid="332">
                                             <p:txEl>
                                               <p:pRg end="0" st="0"/>
                                             </p:txEl>
@@ -17895,7 +18928,7 @@
                                           </p:stCondLst>
                                         </p:cTn>
                                         <p:tgtEl>
-                                          <p:spTgt spid="312">
+                                          <p:spTgt spid="332">
                                             <p:txEl>
                                               <p:pRg end="1" st="1"/>
                                             </p:txEl>
@@ -17913,7 +18946,7 @@
                                       <p:cBhvr>
                                         <p:cTn dur="1000"/>
                                         <p:tgtEl>
-                                          <p:spTgt spid="312">
+                                          <p:spTgt spid="332">
                                             <p:txEl>
                                               <p:pRg end="1" st="1"/>
                                             </p:txEl>
@@ -17956,7 +18989,7 @@
                                           </p:stCondLst>
                                         </p:cTn>
                                         <p:tgtEl>
-                                          <p:spTgt spid="312">
+                                          <p:spTgt spid="332">
                                             <p:txEl>
                                               <p:pRg end="2" st="2"/>
                                             </p:txEl>
@@ -17974,7 +19007,7 @@
                                       <p:cBhvr>
                                         <p:cTn dur="1000"/>
                                         <p:tgtEl>
-                                          <p:spTgt spid="312">
+                                          <p:spTgt spid="332">
                                             <p:txEl>
                                               <p:pRg end="2" st="2"/>
                                             </p:txEl>
@@ -18017,7 +19050,7 @@
                                           </p:stCondLst>
                                         </p:cTn>
                                         <p:tgtEl>
-                                          <p:spTgt spid="312">
+                                          <p:spTgt spid="332">
                                             <p:txEl>
                                               <p:pRg end="3" st="3"/>
                                             </p:txEl>
@@ -18035,7 +19068,7 @@
                                       <p:cBhvr>
                                         <p:cTn dur="1000"/>
                                         <p:tgtEl>
-                                          <p:spTgt spid="312">
+                                          <p:spTgt spid="332">
                                             <p:txEl>
                                               <p:pRg end="3" st="3"/>
                                             </p:txEl>
@@ -18077,12 +19110,12 @@
 </p:sld>
 </file>
 
-<file path=ppt/slides/slide43.xml><?xml version="1.0" encoding="utf-8"?>
+<file path=ppt/slides/slide46.xml><?xml version="1.0" encoding="utf-8"?>
 <p:sld xmlns:a="http://schemas.openxmlformats.org/drawingml/2006/main" xmlns:r="http://schemas.openxmlformats.org/officeDocument/2006/relationships" xmlns:mc="http://schemas.openxmlformats.org/markup-compatibility/2006" xmlns:mv="urn:schemas-microsoft-com:mac:vml" xmlns:p="http://schemas.openxmlformats.org/presentationml/2006/main" xmlns:c="http://schemas.openxmlformats.org/drawingml/2006/chart" xmlns:dgm="http://schemas.openxmlformats.org/drawingml/2006/diagram" xmlns:o="urn:schemas-microsoft-com:office:office" xmlns:v="urn:schemas-microsoft-com:vml" xmlns:pvml="urn:schemas-microsoft-com:office:powerpoint" xmlns:com="http://schemas.openxmlformats.org/drawingml/2006/compatibility" xmlns:p14="http://schemas.microsoft.com/office/powerpoint/2010/main" xmlns:p15="http://schemas.microsoft.com/office/powerpoint/2012/main">
   <p:cSld>
     <p:spTree>
       <p:nvGrpSpPr>
-        <p:cNvPr id="316" name="Shape 316"/>
+        <p:cNvPr id="336" name="Shape 336"/>
         <p:cNvGrpSpPr/>
         <p:nvPr/>
       </p:nvGrpSpPr>
@@ -18096,7 +19129,7 @@
       </p:grpSpPr>
       <p:sp>
         <p:nvSpPr>
-          <p:cNvPr id="317" name="Shape 317"/>
+          <p:cNvPr id="337" name="Shape 337"/>
           <p:cNvSpPr txBox="1"/>
           <p:nvPr>
             <p:ph type="title"/>
@@ -18136,319 +19169,7 @@
       </p:sp>
       <p:sp>
         <p:nvSpPr>
-          <p:cNvPr id="318" name="Shape 318"/>
-          <p:cNvSpPr txBox="1"/>
-          <p:nvPr>
-            <p:ph idx="1" type="body"/>
-          </p:nvPr>
-        </p:nvSpPr>
-        <p:spPr>
-          <a:xfrm>
-            <a:off x="311700" y="1152475"/>
-            <a:ext cx="8520600" cy="3416400"/>
-          </a:xfrm>
-          <a:prstGeom prst="rect">
-            <a:avLst/>
-          </a:prstGeom>
-        </p:spPr>
-        <p:txBody>
-          <a:bodyPr anchorCtr="0" anchor="t" bIns="91425" lIns="91425" spcFirstLastPara="1" rIns="91425" wrap="square" tIns="91425">
-            <a:noAutofit/>
-          </a:bodyPr>
-          <a:lstStyle/>
-          <a:p>
-            <a:pPr indent="0" lvl="0" marL="0">
-              <a:spcBef>
-                <a:spcPts val="0"/>
-              </a:spcBef>
-              <a:spcAft>
-                <a:spcPts val="1600"/>
-              </a:spcAft>
-              <a:buNone/>
-            </a:pPr>
-            <a:r>
-              <a:t/>
-            </a:r>
-            <a:endParaRPr/>
-          </a:p>
-        </p:txBody>
-      </p:sp>
-    </p:spTree>
-  </p:cSld>
-  <p:clrMapOvr>
-    <a:masterClrMapping/>
-  </p:clrMapOvr>
-</p:sld>
-</file>
-
-<file path=ppt/slides/slide44.xml><?xml version="1.0" encoding="utf-8"?>
-<p:sld xmlns:a="http://schemas.openxmlformats.org/drawingml/2006/main" xmlns:r="http://schemas.openxmlformats.org/officeDocument/2006/relationships" xmlns:mc="http://schemas.openxmlformats.org/markup-compatibility/2006" xmlns:mv="urn:schemas-microsoft-com:mac:vml" xmlns:p="http://schemas.openxmlformats.org/presentationml/2006/main" xmlns:c="http://schemas.openxmlformats.org/drawingml/2006/chart" xmlns:dgm="http://schemas.openxmlformats.org/drawingml/2006/diagram" xmlns:o="urn:schemas-microsoft-com:office:office" xmlns:v="urn:schemas-microsoft-com:vml" xmlns:pvml="urn:schemas-microsoft-com:office:powerpoint" xmlns:com="http://schemas.openxmlformats.org/drawingml/2006/compatibility" xmlns:p14="http://schemas.microsoft.com/office/powerpoint/2010/main" xmlns:p15="http://schemas.microsoft.com/office/powerpoint/2012/main">
-  <p:cSld>
-    <p:spTree>
-      <p:nvGrpSpPr>
-        <p:cNvPr id="322" name="Shape 322"/>
-        <p:cNvGrpSpPr/>
-        <p:nvPr/>
-      </p:nvGrpSpPr>
-      <p:grpSpPr>
-        <a:xfrm>
-          <a:off x="0" y="0"/>
-          <a:ext cx="0" cy="0"/>
-          <a:chOff x="0" y="0"/>
-          <a:chExt cx="0" cy="0"/>
-        </a:xfrm>
-      </p:grpSpPr>
-      <p:sp>
-        <p:nvSpPr>
-          <p:cNvPr id="323" name="Shape 323"/>
-          <p:cNvSpPr txBox="1"/>
-          <p:nvPr>
-            <p:ph type="title"/>
-          </p:nvPr>
-        </p:nvSpPr>
-        <p:spPr>
-          <a:xfrm>
-            <a:off x="311700" y="445025"/>
-            <a:ext cx="8520600" cy="572700"/>
-          </a:xfrm>
-          <a:prstGeom prst="rect">
-            <a:avLst/>
-          </a:prstGeom>
-        </p:spPr>
-        <p:txBody>
-          <a:bodyPr anchorCtr="0" anchor="t" bIns="91425" lIns="91425" spcFirstLastPara="1" rIns="91425" wrap="square" tIns="91425">
-            <a:noAutofit/>
-          </a:bodyPr>
-          <a:lstStyle/>
-          <a:p>
-            <a:pPr indent="0" lvl="0" marL="0">
-              <a:spcBef>
-                <a:spcPts val="0"/>
-              </a:spcBef>
-              <a:spcAft>
-                <a:spcPts val="0"/>
-              </a:spcAft>
-              <a:buNone/>
-            </a:pPr>
-            <a:r>
-              <a:rPr lang="en"/>
-              <a:t>Message-Oriented Implementation</a:t>
-            </a:r>
-            <a:endParaRPr/>
-          </a:p>
-        </p:txBody>
-      </p:sp>
-      <p:sp>
-        <p:nvSpPr>
-          <p:cNvPr id="324" name="Shape 324"/>
-          <p:cNvSpPr txBox="1"/>
-          <p:nvPr>
-            <p:ph idx="1" type="body"/>
-          </p:nvPr>
-        </p:nvSpPr>
-        <p:spPr>
-          <a:xfrm>
-            <a:off x="311700" y="1152475"/>
-            <a:ext cx="8520600" cy="3416400"/>
-          </a:xfrm>
-          <a:prstGeom prst="rect">
-            <a:avLst/>
-          </a:prstGeom>
-        </p:spPr>
-        <p:txBody>
-          <a:bodyPr anchorCtr="0" anchor="t" bIns="91425" lIns="91425" spcFirstLastPara="1" rIns="91425" wrap="square" tIns="91425">
-            <a:noAutofit/>
-          </a:bodyPr>
-          <a:lstStyle/>
-          <a:p>
-            <a:pPr indent="0" lvl="0" marL="0">
-              <a:spcBef>
-                <a:spcPts val="0"/>
-              </a:spcBef>
-              <a:spcAft>
-                <a:spcPts val="1600"/>
-              </a:spcAft>
-              <a:buNone/>
-            </a:pPr>
-            <a:r>
-              <a:t/>
-            </a:r>
-            <a:endParaRPr/>
-          </a:p>
-        </p:txBody>
-      </p:sp>
-    </p:spTree>
-  </p:cSld>
-  <p:clrMapOvr>
-    <a:masterClrMapping/>
-  </p:clrMapOvr>
-</p:sld>
-</file>
-
-<file path=ppt/slides/slide45.xml><?xml version="1.0" encoding="utf-8"?>
-<p:sld xmlns:a="http://schemas.openxmlformats.org/drawingml/2006/main" xmlns:r="http://schemas.openxmlformats.org/officeDocument/2006/relationships" xmlns:mc="http://schemas.openxmlformats.org/markup-compatibility/2006" xmlns:mv="urn:schemas-microsoft-com:mac:vml" xmlns:p="http://schemas.openxmlformats.org/presentationml/2006/main" xmlns:c="http://schemas.openxmlformats.org/drawingml/2006/chart" xmlns:dgm="http://schemas.openxmlformats.org/drawingml/2006/diagram" xmlns:o="urn:schemas-microsoft-com:office:office" xmlns:v="urn:schemas-microsoft-com:vml" xmlns:pvml="urn:schemas-microsoft-com:office:powerpoint" xmlns:com="http://schemas.openxmlformats.org/drawingml/2006/compatibility" xmlns:p14="http://schemas.microsoft.com/office/powerpoint/2010/main" xmlns:p15="http://schemas.microsoft.com/office/powerpoint/2012/main">
-  <p:cSld>
-    <p:spTree>
-      <p:nvGrpSpPr>
-        <p:cNvPr id="328" name="Shape 328"/>
-        <p:cNvGrpSpPr/>
-        <p:nvPr/>
-      </p:nvGrpSpPr>
-      <p:grpSpPr>
-        <a:xfrm>
-          <a:off x="0" y="0"/>
-          <a:ext cx="0" cy="0"/>
-          <a:chOff x="0" y="0"/>
-          <a:chExt cx="0" cy="0"/>
-        </a:xfrm>
-      </p:grpSpPr>
-      <p:sp>
-        <p:nvSpPr>
-          <p:cNvPr id="329" name="Shape 329"/>
-          <p:cNvSpPr txBox="1"/>
-          <p:nvPr>
-            <p:ph type="title"/>
-          </p:nvPr>
-        </p:nvSpPr>
-        <p:spPr>
-          <a:xfrm>
-            <a:off x="311700" y="445025"/>
-            <a:ext cx="8520600" cy="572700"/>
-          </a:xfrm>
-          <a:prstGeom prst="rect">
-            <a:avLst/>
-          </a:prstGeom>
-        </p:spPr>
-        <p:txBody>
-          <a:bodyPr anchorCtr="0" anchor="t" bIns="91425" lIns="91425" spcFirstLastPara="1" rIns="91425" wrap="square" tIns="91425">
-            <a:noAutofit/>
-          </a:bodyPr>
-          <a:lstStyle/>
-          <a:p>
-            <a:pPr indent="0" lvl="0" marL="0">
-              <a:spcBef>
-                <a:spcPts val="0"/>
-              </a:spcBef>
-              <a:spcAft>
-                <a:spcPts val="0"/>
-              </a:spcAft>
-              <a:buNone/>
-            </a:pPr>
-            <a:r>
-              <a:rPr lang="en"/>
-              <a:t>Discovery Constraints</a:t>
-            </a:r>
-            <a:endParaRPr/>
-          </a:p>
-        </p:txBody>
-      </p:sp>
-      <p:sp>
-        <p:nvSpPr>
-          <p:cNvPr id="330" name="Shape 330"/>
-          <p:cNvSpPr txBox="1"/>
-          <p:nvPr>
-            <p:ph idx="1" type="body"/>
-          </p:nvPr>
-        </p:nvSpPr>
-        <p:spPr>
-          <a:xfrm>
-            <a:off x="311700" y="1152475"/>
-            <a:ext cx="8520600" cy="3416400"/>
-          </a:xfrm>
-          <a:prstGeom prst="rect">
-            <a:avLst/>
-          </a:prstGeom>
-        </p:spPr>
-        <p:txBody>
-          <a:bodyPr anchorCtr="0" anchor="t" bIns="91425" lIns="91425" spcFirstLastPara="1" rIns="91425" wrap="square" tIns="91425">
-            <a:noAutofit/>
-          </a:bodyPr>
-          <a:lstStyle/>
-          <a:p>
-            <a:pPr indent="0" lvl="0" marL="0">
-              <a:spcBef>
-                <a:spcPts val="0"/>
-              </a:spcBef>
-              <a:spcAft>
-                <a:spcPts val="1600"/>
-              </a:spcAft>
-              <a:buNone/>
-            </a:pPr>
-            <a:r>
-              <a:t/>
-            </a:r>
-            <a:endParaRPr/>
-          </a:p>
-        </p:txBody>
-      </p:sp>
-    </p:spTree>
-  </p:cSld>
-  <p:clrMapOvr>
-    <a:masterClrMapping/>
-  </p:clrMapOvr>
-</p:sld>
-</file>
-
-<file path=ppt/slides/slide46.xml><?xml version="1.0" encoding="utf-8"?>
-<p:sld xmlns:a="http://schemas.openxmlformats.org/drawingml/2006/main" xmlns:r="http://schemas.openxmlformats.org/officeDocument/2006/relationships" xmlns:mc="http://schemas.openxmlformats.org/markup-compatibility/2006" xmlns:mv="urn:schemas-microsoft-com:mac:vml" xmlns:p="http://schemas.openxmlformats.org/presentationml/2006/main" xmlns:c="http://schemas.openxmlformats.org/drawingml/2006/chart" xmlns:dgm="http://schemas.openxmlformats.org/drawingml/2006/diagram" xmlns:o="urn:schemas-microsoft-com:office:office" xmlns:v="urn:schemas-microsoft-com:vml" xmlns:pvml="urn:schemas-microsoft-com:office:powerpoint" xmlns:com="http://schemas.openxmlformats.org/drawingml/2006/compatibility" xmlns:p14="http://schemas.microsoft.com/office/powerpoint/2010/main" xmlns:p15="http://schemas.microsoft.com/office/powerpoint/2012/main">
-  <p:cSld>
-    <p:spTree>
-      <p:nvGrpSpPr>
-        <p:cNvPr id="334" name="Shape 334"/>
-        <p:cNvGrpSpPr/>
-        <p:nvPr/>
-      </p:nvGrpSpPr>
-      <p:grpSpPr>
-        <a:xfrm>
-          <a:off x="0" y="0"/>
-          <a:ext cx="0" cy="0"/>
-          <a:chOff x="0" y="0"/>
-          <a:chExt cx="0" cy="0"/>
-        </a:xfrm>
-      </p:grpSpPr>
-      <p:sp>
-        <p:nvSpPr>
-          <p:cNvPr id="335" name="Shape 335"/>
-          <p:cNvSpPr txBox="1"/>
-          <p:nvPr>
-            <p:ph type="title"/>
-          </p:nvPr>
-        </p:nvSpPr>
-        <p:spPr>
-          <a:xfrm>
-            <a:off x="311700" y="445025"/>
-            <a:ext cx="8520600" cy="572700"/>
-          </a:xfrm>
-          <a:prstGeom prst="rect">
-            <a:avLst/>
-          </a:prstGeom>
-        </p:spPr>
-        <p:txBody>
-          <a:bodyPr anchorCtr="0" anchor="t" bIns="91425" lIns="91425" spcFirstLastPara="1" rIns="91425" wrap="square" tIns="91425">
-            <a:noAutofit/>
-          </a:bodyPr>
-          <a:lstStyle/>
-          <a:p>
-            <a:pPr indent="0" lvl="0" marL="0">
-              <a:spcBef>
-                <a:spcPts val="0"/>
-              </a:spcBef>
-              <a:spcAft>
-                <a:spcPts val="0"/>
-              </a:spcAft>
-              <a:buNone/>
-            </a:pPr>
-            <a:r>
-              <a:rPr lang="en"/>
-              <a:t>Emergent Adaptability</a:t>
-            </a:r>
-            <a:endParaRPr/>
-          </a:p>
-        </p:txBody>
-      </p:sp>
-      <p:sp>
-        <p:nvSpPr>
-          <p:cNvPr id="336" name="Shape 336"/>
+          <p:cNvPr id="338" name="Shape 338"/>
           <p:cNvSpPr txBox="1"/>
           <p:nvPr>
             <p:ph idx="1" type="body"/>
@@ -18498,7 +19219,7 @@
   <p:cSld>
     <p:spTree>
       <p:nvGrpSpPr>
-        <p:cNvPr id="340" name="Shape 340"/>
+        <p:cNvPr id="342" name="Shape 342"/>
         <p:cNvGrpSpPr/>
         <p:nvPr/>
       </p:nvGrpSpPr>
@@ -18512,67 +19233,16 @@
       </p:grpSpPr>
       <p:sp>
         <p:nvSpPr>
-          <p:cNvPr id="341" name="Shape 341"/>
+          <p:cNvPr id="343" name="Shape 343"/>
           <p:cNvSpPr txBox="1"/>
           <p:nvPr>
-            <p:ph type="ctrTitle"/>
-          </p:nvPr>
-        </p:nvSpPr>
-        <p:spPr>
-          <a:xfrm>
-            <a:off x="311708" y="744575"/>
-            <a:ext cx="8520600" cy="2052600"/>
-          </a:xfrm>
-          <a:prstGeom prst="rect">
-            <a:avLst/>
-          </a:prstGeom>
-        </p:spPr>
-        <p:txBody>
-          <a:bodyPr anchorCtr="0" anchor="b" bIns="91425" lIns="91425" spcFirstLastPara="1" rIns="91425" wrap="square" tIns="91425">
-            <a:noAutofit/>
-          </a:bodyPr>
-          <a:lstStyle/>
-          <a:p>
-            <a:pPr indent="0" lvl="0" marL="0" rtl="0">
-              <a:spcBef>
-                <a:spcPts val="0"/>
-              </a:spcBef>
-              <a:spcAft>
-                <a:spcPts val="0"/>
-              </a:spcAft>
-              <a:buNone/>
-            </a:pPr>
-            <a:r>
-              <a:rPr b="1" lang="en"/>
-              <a:t>RESTful Microservices</a:t>
-            </a:r>
-            <a:r>
-              <a:rPr lang="en"/>
-              <a:t> </a:t>
-            </a:r>
-            <a:br>
-              <a:rPr lang="en"/>
-            </a:br>
-            <a:r>
-              <a:rPr lang="en"/>
-              <a:t>from the Ground Up</a:t>
-            </a:r>
-            <a:endParaRPr/>
-          </a:p>
-        </p:txBody>
-      </p:sp>
-      <p:sp>
-        <p:nvSpPr>
-          <p:cNvPr id="342" name="Shape 342"/>
-          <p:cNvSpPr txBox="1"/>
-          <p:nvPr>
-            <p:ph idx="1" type="subTitle"/>
-          </p:nvPr>
-        </p:nvSpPr>
-        <p:spPr>
-          <a:xfrm>
-            <a:off x="311700" y="3572425"/>
-            <a:ext cx="8520600" cy="1454100"/>
+            <p:ph type="title"/>
+          </p:nvPr>
+        </p:nvSpPr>
+        <p:spPr>
+          <a:xfrm>
+            <a:off x="311700" y="445025"/>
+            <a:ext cx="8520600" cy="572700"/>
           </a:xfrm>
           <a:prstGeom prst="rect">
             <a:avLst/>
@@ -18584,7 +19254,7 @@
           </a:bodyPr>
           <a:lstStyle/>
           <a:p>
-            <a:pPr indent="0" lvl="0" marL="0" rtl="0">
+            <a:pPr indent="0" lvl="0" marL="0">
               <a:spcBef>
                 <a:spcPts val="0"/>
               </a:spcBef>
@@ -18595,21 +19265,254 @@
             </a:pPr>
             <a:r>
               <a:rPr lang="en"/>
-              <a:t>Mike Amundsen</a:t>
-            </a:r>
-            <a:br>
+              <a:t>Message-Oriented Implementation</a:t>
+            </a:r>
+            <a:endParaRPr/>
+          </a:p>
+        </p:txBody>
+      </p:sp>
+      <p:sp>
+        <p:nvSpPr>
+          <p:cNvPr id="344" name="Shape 344"/>
+          <p:cNvSpPr txBox="1"/>
+          <p:nvPr>
+            <p:ph idx="1" type="body"/>
+          </p:nvPr>
+        </p:nvSpPr>
+        <p:spPr>
+          <a:xfrm>
+            <a:off x="311700" y="1152475"/>
+            <a:ext cx="8520600" cy="3416400"/>
+          </a:xfrm>
+          <a:prstGeom prst="rect">
+            <a:avLst/>
+          </a:prstGeom>
+        </p:spPr>
+        <p:txBody>
+          <a:bodyPr anchorCtr="0" anchor="t" bIns="91425" lIns="91425" spcFirstLastPara="1" rIns="91425" wrap="square" tIns="91425">
+            <a:noAutofit/>
+          </a:bodyPr>
+          <a:lstStyle/>
+          <a:p>
+            <a:pPr indent="0" lvl="0" marL="0">
+              <a:spcBef>
+                <a:spcPts val="0"/>
+              </a:spcBef>
+              <a:spcAft>
+                <a:spcPts val="1600"/>
+              </a:spcAft>
+              <a:buNone/>
+            </a:pPr>
+            <a:r>
+              <a:t/>
+            </a:r>
+            <a:endParaRPr/>
+          </a:p>
+        </p:txBody>
+      </p:sp>
+    </p:spTree>
+  </p:cSld>
+  <p:clrMapOvr>
+    <a:masterClrMapping/>
+  </p:clrMapOvr>
+</p:sld>
+</file>
+
+<file path=ppt/slides/slide48.xml><?xml version="1.0" encoding="utf-8"?>
+<p:sld xmlns:a="http://schemas.openxmlformats.org/drawingml/2006/main" xmlns:r="http://schemas.openxmlformats.org/officeDocument/2006/relationships" xmlns:mc="http://schemas.openxmlformats.org/markup-compatibility/2006" xmlns:mv="urn:schemas-microsoft-com:mac:vml" xmlns:p="http://schemas.openxmlformats.org/presentationml/2006/main" xmlns:c="http://schemas.openxmlformats.org/drawingml/2006/chart" xmlns:dgm="http://schemas.openxmlformats.org/drawingml/2006/diagram" xmlns:o="urn:schemas-microsoft-com:office:office" xmlns:v="urn:schemas-microsoft-com:vml" xmlns:pvml="urn:schemas-microsoft-com:office:powerpoint" xmlns:com="http://schemas.openxmlformats.org/drawingml/2006/compatibility" xmlns:p14="http://schemas.microsoft.com/office/powerpoint/2010/main" xmlns:p15="http://schemas.microsoft.com/office/powerpoint/2012/main">
+  <p:cSld>
+    <p:spTree>
+      <p:nvGrpSpPr>
+        <p:cNvPr id="348" name="Shape 348"/>
+        <p:cNvGrpSpPr/>
+        <p:nvPr/>
+      </p:nvGrpSpPr>
+      <p:grpSpPr>
+        <a:xfrm>
+          <a:off x="0" y="0"/>
+          <a:ext cx="0" cy="0"/>
+          <a:chOff x="0" y="0"/>
+          <a:chExt cx="0" cy="0"/>
+        </a:xfrm>
+      </p:grpSpPr>
+      <p:sp>
+        <p:nvSpPr>
+          <p:cNvPr id="349" name="Shape 349"/>
+          <p:cNvSpPr txBox="1"/>
+          <p:nvPr>
+            <p:ph type="title"/>
+          </p:nvPr>
+        </p:nvSpPr>
+        <p:spPr>
+          <a:xfrm>
+            <a:off x="311700" y="445025"/>
+            <a:ext cx="8520600" cy="572700"/>
+          </a:xfrm>
+          <a:prstGeom prst="rect">
+            <a:avLst/>
+          </a:prstGeom>
+        </p:spPr>
+        <p:txBody>
+          <a:bodyPr anchorCtr="0" anchor="t" bIns="91425" lIns="91425" spcFirstLastPara="1" rIns="91425" wrap="square" tIns="91425">
+            <a:noAutofit/>
+          </a:bodyPr>
+          <a:lstStyle/>
+          <a:p>
+            <a:pPr indent="0" lvl="0" marL="0">
+              <a:spcBef>
+                <a:spcPts val="0"/>
+              </a:spcBef>
+              <a:spcAft>
+                <a:spcPts val="0"/>
+              </a:spcAft>
+              <a:buNone/>
+            </a:pPr>
+            <a:r>
               <a:rPr lang="en"/>
-            </a:br>
+              <a:t>Discovery Constraints</a:t>
+            </a:r>
+            <a:endParaRPr/>
+          </a:p>
+        </p:txBody>
+      </p:sp>
+      <p:sp>
+        <p:nvSpPr>
+          <p:cNvPr id="350" name="Shape 350"/>
+          <p:cNvSpPr txBox="1"/>
+          <p:nvPr>
+            <p:ph idx="1" type="body"/>
+          </p:nvPr>
+        </p:nvSpPr>
+        <p:spPr>
+          <a:xfrm>
+            <a:off x="311700" y="1152475"/>
+            <a:ext cx="8520600" cy="3416400"/>
+          </a:xfrm>
+          <a:prstGeom prst="rect">
+            <a:avLst/>
+          </a:prstGeom>
+        </p:spPr>
+        <p:txBody>
+          <a:bodyPr anchorCtr="0" anchor="t" bIns="91425" lIns="91425" spcFirstLastPara="1" rIns="91425" wrap="square" tIns="91425">
+            <a:noAutofit/>
+          </a:bodyPr>
+          <a:lstStyle/>
+          <a:p>
+            <a:pPr indent="0" lvl="0" marL="0">
+              <a:spcBef>
+                <a:spcPts val="0"/>
+              </a:spcBef>
+              <a:spcAft>
+                <a:spcPts val="1600"/>
+              </a:spcAft>
+              <a:buNone/>
+            </a:pPr>
+            <a:r>
+              <a:t/>
+            </a:r>
+            <a:endParaRPr/>
+          </a:p>
+        </p:txBody>
+      </p:sp>
+    </p:spTree>
+  </p:cSld>
+  <p:clrMapOvr>
+    <a:masterClrMapping/>
+  </p:clrMapOvr>
+</p:sld>
+</file>
+
+<file path=ppt/slides/slide49.xml><?xml version="1.0" encoding="utf-8"?>
+<p:sld xmlns:a="http://schemas.openxmlformats.org/drawingml/2006/main" xmlns:r="http://schemas.openxmlformats.org/officeDocument/2006/relationships" xmlns:mc="http://schemas.openxmlformats.org/markup-compatibility/2006" xmlns:mv="urn:schemas-microsoft-com:mac:vml" xmlns:p="http://schemas.openxmlformats.org/presentationml/2006/main" xmlns:c="http://schemas.openxmlformats.org/drawingml/2006/chart" xmlns:dgm="http://schemas.openxmlformats.org/drawingml/2006/diagram" xmlns:o="urn:schemas-microsoft-com:office:office" xmlns:v="urn:schemas-microsoft-com:vml" xmlns:pvml="urn:schemas-microsoft-com:office:powerpoint" xmlns:com="http://schemas.openxmlformats.org/drawingml/2006/compatibility" xmlns:p14="http://schemas.microsoft.com/office/powerpoint/2010/main" xmlns:p15="http://schemas.microsoft.com/office/powerpoint/2012/main">
+  <p:cSld>
+    <p:spTree>
+      <p:nvGrpSpPr>
+        <p:cNvPr id="354" name="Shape 354"/>
+        <p:cNvGrpSpPr/>
+        <p:nvPr/>
+      </p:nvGrpSpPr>
+      <p:grpSpPr>
+        <a:xfrm>
+          <a:off x="0" y="0"/>
+          <a:ext cx="0" cy="0"/>
+          <a:chOff x="0" y="0"/>
+          <a:chExt cx="0" cy="0"/>
+        </a:xfrm>
+      </p:grpSpPr>
+      <p:sp>
+        <p:nvSpPr>
+          <p:cNvPr id="355" name="Shape 355"/>
+          <p:cNvSpPr txBox="1"/>
+          <p:nvPr>
+            <p:ph type="title"/>
+          </p:nvPr>
+        </p:nvSpPr>
+        <p:spPr>
+          <a:xfrm>
+            <a:off x="311700" y="445025"/>
+            <a:ext cx="8520600" cy="572700"/>
+          </a:xfrm>
+          <a:prstGeom prst="rect">
+            <a:avLst/>
+          </a:prstGeom>
+        </p:spPr>
+        <p:txBody>
+          <a:bodyPr anchorCtr="0" anchor="t" bIns="91425" lIns="91425" spcFirstLastPara="1" rIns="91425" wrap="square" tIns="91425">
+            <a:noAutofit/>
+          </a:bodyPr>
+          <a:lstStyle/>
+          <a:p>
+            <a:pPr indent="0" lvl="0" marL="0">
+              <a:spcBef>
+                <a:spcPts val="0"/>
+              </a:spcBef>
+              <a:spcAft>
+                <a:spcPts val="0"/>
+              </a:spcAft>
+              <a:buNone/>
+            </a:pPr>
             <a:r>
               <a:rPr lang="en"/>
-              <a:t>API Academy</a:t>
-            </a:r>
-            <a:br>
-              <a:rPr lang="en"/>
-            </a:br>
-            <a:r>
-              <a:rPr lang="en"/>
-              <a:t>@mamund</a:t>
+              <a:t>Emergent Adaptability</a:t>
+            </a:r>
+            <a:endParaRPr/>
+          </a:p>
+        </p:txBody>
+      </p:sp>
+      <p:sp>
+        <p:nvSpPr>
+          <p:cNvPr id="356" name="Shape 356"/>
+          <p:cNvSpPr txBox="1"/>
+          <p:nvPr>
+            <p:ph idx="1" type="body"/>
+          </p:nvPr>
+        </p:nvSpPr>
+        <p:spPr>
+          <a:xfrm>
+            <a:off x="311700" y="1152475"/>
+            <a:ext cx="8520600" cy="3416400"/>
+          </a:xfrm>
+          <a:prstGeom prst="rect">
+            <a:avLst/>
+          </a:prstGeom>
+        </p:spPr>
+        <p:txBody>
+          <a:bodyPr anchorCtr="0" anchor="t" bIns="91425" lIns="91425" spcFirstLastPara="1" rIns="91425" wrap="square" tIns="91425">
+            <a:noAutofit/>
+          </a:bodyPr>
+          <a:lstStyle/>
+          <a:p>
+            <a:pPr indent="0" lvl="0" marL="0">
+              <a:spcBef>
+                <a:spcPts val="0"/>
+              </a:spcBef>
+              <a:spcAft>
+                <a:spcPts val="1600"/>
+              </a:spcAft>
+              <a:buNone/>
+            </a:pPr>
+            <a:r>
+              <a:t/>
             </a:r>
             <a:endParaRPr/>
           </a:p>
@@ -19051,6 +19954,136 @@
       </p:par>
     </p:tnLst>
   </p:timing>
+</p:sld>
+</file>
+
+<file path=ppt/slides/slide50.xml><?xml version="1.0" encoding="utf-8"?>
+<p:sld xmlns:a="http://schemas.openxmlformats.org/drawingml/2006/main" xmlns:r="http://schemas.openxmlformats.org/officeDocument/2006/relationships" xmlns:mc="http://schemas.openxmlformats.org/markup-compatibility/2006" xmlns:mv="urn:schemas-microsoft-com:mac:vml" xmlns:p="http://schemas.openxmlformats.org/presentationml/2006/main" xmlns:c="http://schemas.openxmlformats.org/drawingml/2006/chart" xmlns:dgm="http://schemas.openxmlformats.org/drawingml/2006/diagram" xmlns:o="urn:schemas-microsoft-com:office:office" xmlns:v="urn:schemas-microsoft-com:vml" xmlns:pvml="urn:schemas-microsoft-com:office:powerpoint" xmlns:com="http://schemas.openxmlformats.org/drawingml/2006/compatibility" xmlns:p14="http://schemas.microsoft.com/office/powerpoint/2010/main" xmlns:p15="http://schemas.microsoft.com/office/powerpoint/2012/main">
+  <p:cSld>
+    <p:spTree>
+      <p:nvGrpSpPr>
+        <p:cNvPr id="360" name="Shape 360"/>
+        <p:cNvGrpSpPr/>
+        <p:nvPr/>
+      </p:nvGrpSpPr>
+      <p:grpSpPr>
+        <a:xfrm>
+          <a:off x="0" y="0"/>
+          <a:ext cx="0" cy="0"/>
+          <a:chOff x="0" y="0"/>
+          <a:chExt cx="0" cy="0"/>
+        </a:xfrm>
+      </p:grpSpPr>
+      <p:sp>
+        <p:nvSpPr>
+          <p:cNvPr id="361" name="Shape 361"/>
+          <p:cNvSpPr txBox="1"/>
+          <p:nvPr>
+            <p:ph type="ctrTitle"/>
+          </p:nvPr>
+        </p:nvSpPr>
+        <p:spPr>
+          <a:xfrm>
+            <a:off x="311708" y="744575"/>
+            <a:ext cx="8520600" cy="2052600"/>
+          </a:xfrm>
+          <a:prstGeom prst="rect">
+            <a:avLst/>
+          </a:prstGeom>
+        </p:spPr>
+        <p:txBody>
+          <a:bodyPr anchorCtr="0" anchor="b" bIns="91425" lIns="91425" spcFirstLastPara="1" rIns="91425" wrap="square" tIns="91425">
+            <a:noAutofit/>
+          </a:bodyPr>
+          <a:lstStyle/>
+          <a:p>
+            <a:pPr indent="0" lvl="0" marL="0" rtl="0">
+              <a:spcBef>
+                <a:spcPts val="0"/>
+              </a:spcBef>
+              <a:spcAft>
+                <a:spcPts val="0"/>
+              </a:spcAft>
+              <a:buNone/>
+            </a:pPr>
+            <a:r>
+              <a:rPr b="1" lang="en"/>
+              <a:t>RESTful Microservices</a:t>
+            </a:r>
+            <a:r>
+              <a:rPr lang="en"/>
+              <a:t> </a:t>
+            </a:r>
+            <a:br>
+              <a:rPr lang="en"/>
+            </a:br>
+            <a:r>
+              <a:rPr lang="en"/>
+              <a:t>from the Ground Up</a:t>
+            </a:r>
+            <a:endParaRPr/>
+          </a:p>
+        </p:txBody>
+      </p:sp>
+      <p:sp>
+        <p:nvSpPr>
+          <p:cNvPr id="362" name="Shape 362"/>
+          <p:cNvSpPr txBox="1"/>
+          <p:nvPr>
+            <p:ph idx="1" type="subTitle"/>
+          </p:nvPr>
+        </p:nvSpPr>
+        <p:spPr>
+          <a:xfrm>
+            <a:off x="311700" y="3572425"/>
+            <a:ext cx="8520600" cy="1454100"/>
+          </a:xfrm>
+          <a:prstGeom prst="rect">
+            <a:avLst/>
+          </a:prstGeom>
+        </p:spPr>
+        <p:txBody>
+          <a:bodyPr anchorCtr="0" anchor="t" bIns="91425" lIns="91425" spcFirstLastPara="1" rIns="91425" wrap="square" tIns="91425">
+            <a:noAutofit/>
+          </a:bodyPr>
+          <a:lstStyle/>
+          <a:p>
+            <a:pPr indent="0" lvl="0" marL="0" rtl="0">
+              <a:spcBef>
+                <a:spcPts val="0"/>
+              </a:spcBef>
+              <a:spcAft>
+                <a:spcPts val="0"/>
+              </a:spcAft>
+              <a:buNone/>
+            </a:pPr>
+            <a:r>
+              <a:rPr lang="en"/>
+              <a:t>Mike Amundsen</a:t>
+            </a:r>
+            <a:br>
+              <a:rPr lang="en"/>
+            </a:br>
+            <a:r>
+              <a:rPr lang="en"/>
+              <a:t>API Academy</a:t>
+            </a:r>
+            <a:br>
+              <a:rPr lang="en"/>
+            </a:br>
+            <a:r>
+              <a:rPr lang="en"/>
+              <a:t>@mamund</a:t>
+            </a:r>
+            <a:endParaRPr/>
+          </a:p>
+        </p:txBody>
+      </p:sp>
+    </p:spTree>
+  </p:cSld>
+  <p:clrMapOvr>
+    <a:masterClrMapping/>
+  </p:clrMapOvr>
 </p:sld>
 </file>
 
